--- a/simple.pptx
+++ b/simple.pptx
@@ -10,13 +10,17 @@
     <p:sldId id="265" r:id="rId5"/>
     <p:sldId id="264" r:id="rId6"/>
     <p:sldId id="271" r:id="rId7"/>
-    <p:sldId id="273" r:id="rId8"/>
-    <p:sldId id="266" r:id="rId9"/>
+    <p:sldId id="276" r:id="rId8"/>
+    <p:sldId id="275" r:id="rId9"/>
+    <p:sldId id="273" r:id="rId10"/>
+    <p:sldId id="277" r:id="rId11"/>
+    <p:sldId id="278" r:id="rId12"/>
+    <p:sldId id="283" r:id="rId13"/>
   </p:sldIdLst>
   <p:sldSz cx="12192000" cy="6858000"/>
   <p:notesSz cx="6858000" cy="9144000"/>
   <p:custDataLst>
-    <p:tags r:id="rId13"/>
+    <p:tags r:id="rId17"/>
   </p:custDataLst>
   <p:defaultTextStyle>
     <a:defPPr>
@@ -206,7 +210,7 @@
   <p:extLst>
     <p:ext uri="{EFAFB233-063F-42B5-8137-9DF3F51BA10A}">
       <p15:sldGuideLst xmlns:p15="http://schemas.microsoft.com/office/powerpoint/2012/main">
-        <p15:guide id="1" orient="horz" pos="2160" userDrawn="1">
+        <p15:guide id="1" orient="horz" pos="2107" userDrawn="1">
           <p15:clr>
             <a:srgbClr val="A4A3A4"/>
           </p15:clr>
@@ -6176,6 +6180,118 @@
 </p:sld>
 </file>
 
+<file path=ppt/slides/slide10.xml><?xml version="1.0" encoding="utf-8"?>
+<p:sld xmlns:a="http://schemas.openxmlformats.org/drawingml/2006/main" xmlns:r="http://schemas.openxmlformats.org/officeDocument/2006/relationships" xmlns:p="http://schemas.openxmlformats.org/presentationml/2006/main">
+  <p:cSld>
+    <p:spTree>
+      <p:nvGrpSpPr>
+        <p:cNvPr id="1" name=""/>
+        <p:cNvGrpSpPr/>
+        <p:nvPr/>
+      </p:nvGrpSpPr>
+      <p:grpSpPr/>
+      <p:sp>
+        <p:nvSpPr>
+          <p:cNvPr id="7169" name="标题 1"/>
+          <p:cNvSpPr>
+            <a:spLocks noGrp="1"/>
+          </p:cNvSpPr>
+          <p:nvPr>
+            <p:ph type="title"/>
+          </p:nvPr>
+        </p:nvSpPr>
+        <p:spPr>
+          <a:xfrm>
+            <a:off x="608013" y="256858"/>
+            <a:ext cx="10969625" cy="706437"/>
+          </a:xfrm>
+        </p:spPr>
+        <p:txBody>
+          <a:bodyPr lIns="90000" tIns="46800" rIns="90000" bIns="46800" anchor="ctr" anchorCtr="0"/>
+          <a:p>
+            <a:r>
+              <a:rPr lang="zh-CN" altLang="en-US"/>
+              <a:t>希望</a:t>
+            </a:r>
+            <a:r>
+              <a:rPr lang="zh-CN" altLang="en-US"/>
+              <a:t>复现的</a:t>
+            </a:r>
+            <a:r>
+              <a:rPr lang="zh-CN" altLang="en-US"/>
+              <a:t>内容</a:t>
+            </a:r>
+            <a:endParaRPr lang="zh-CN" altLang="en-US"/>
+          </a:p>
+        </p:txBody>
+      </p:sp>
+      <p:pic>
+        <p:nvPicPr>
+          <p:cNvPr id="2" name="图片 1"/>
+          <p:cNvPicPr>
+            <a:picLocks noChangeAspect="1"/>
+          </p:cNvPicPr>
+          <p:nvPr>
+            <p:custDataLst>
+              <p:tags r:id="rId1"/>
+            </p:custDataLst>
+          </p:nvPr>
+        </p:nvPicPr>
+        <p:blipFill>
+          <a:blip r:embed="rId2"/>
+          <a:stretch>
+            <a:fillRect/>
+          </a:stretch>
+        </p:blipFill>
+        <p:spPr>
+          <a:xfrm>
+            <a:off x="7528560" y="1224280"/>
+            <a:ext cx="3092450" cy="4673600"/>
+          </a:xfrm>
+          <a:prstGeom prst="rect">
+            <a:avLst/>
+          </a:prstGeom>
+        </p:spPr>
+      </p:pic>
+      <p:pic>
+        <p:nvPicPr>
+          <p:cNvPr id="3" name="图片 2"/>
+          <p:cNvPicPr>
+            <a:picLocks noChangeAspect="1"/>
+          </p:cNvPicPr>
+          <p:nvPr>
+            <p:custDataLst>
+              <p:tags r:id="rId3"/>
+            </p:custDataLst>
+          </p:nvPr>
+        </p:nvPicPr>
+        <p:blipFill>
+          <a:blip r:embed="rId4"/>
+          <a:stretch>
+            <a:fillRect/>
+          </a:stretch>
+        </p:blipFill>
+        <p:spPr>
+          <a:xfrm>
+            <a:off x="920115" y="1598930"/>
+            <a:ext cx="3924300" cy="3924300"/>
+          </a:xfrm>
+          <a:prstGeom prst="rect">
+            <a:avLst/>
+          </a:prstGeom>
+        </p:spPr>
+      </p:pic>
+    </p:spTree>
+    <p:custDataLst>
+      <p:tags r:id="rId5"/>
+    </p:custDataLst>
+  </p:cSld>
+  <p:clrMapOvr>
+    <a:masterClrMapping/>
+  </p:clrMapOvr>
+</p:sld>
+</file>
+
 <file path=ppt/slides/slide2.xml><?xml version="1.0" encoding="utf-8"?>
 <p:sld xmlns:a="http://schemas.openxmlformats.org/drawingml/2006/main" xmlns:r="http://schemas.openxmlformats.org/officeDocument/2006/relationships" xmlns:p="http://schemas.openxmlformats.org/presentationml/2006/main">
   <p:cSld>
@@ -6660,7 +6776,7 @@
         </p:blipFill>
         <p:spPr>
           <a:xfrm>
-            <a:off x="6546850" y="830263"/>
+            <a:off x="6546850" y="852488"/>
             <a:ext cx="3822700" cy="2973387"/>
           </a:xfrm>
           <a:prstGeom prst="rect">
@@ -6761,7 +6877,7 @@
       <p:grpSpPr/>
       <p:sp>
         <p:nvSpPr>
-          <p:cNvPr id="7169" name="标题 1"/>
+          <p:cNvPr id="8193" name="标题 1"/>
           <p:cNvSpPr>
             <a:spLocks noGrp="1"/>
           </p:cNvSpPr>
@@ -6771,28 +6887,249 @@
         </p:nvSpPr>
         <p:spPr>
           <a:xfrm>
-            <a:off x="608013" y="608013"/>
-            <a:ext cx="10969625" cy="706437"/>
-          </a:xfrm>
-        </p:spPr>
-        <p:txBody>
-          <a:bodyPr lIns="90000" tIns="46800" rIns="90000" bIns="46800" anchor="ctr" anchorCtr="0"/>
+            <a:off x="608013" y="196850"/>
+            <a:ext cx="10969625" cy="706438"/>
+          </a:xfrm>
+        </p:spPr>
+        <p:txBody>
+          <a:bodyPr lIns="90000" tIns="46800" rIns="90000" bIns="46800" rtlCol="0" anchor="ctr" anchorCtr="0">
+            <a:normAutofit/>
+          </a:bodyPr>
+          <a:p>
+            <a:pPr marL="0" marR="0" indent="0" algn="l" defTabSz="914400" rtl="0" eaLnBrk="1" fontAlgn="auto" latinLnBrk="0" hangingPunct="1">
+              <a:lnSpc>
+                <a:spcPct val="100000"/>
+              </a:lnSpc>
+              <a:spcBef>
+                <a:spcPct val="0"/>
+              </a:spcBef>
+              <a:spcAft>
+                <a:spcPct val="0"/>
+              </a:spcAft>
+              <a:buClrTx/>
+              <a:buSzTx/>
+              <a:buFontTx/>
+              <a:buNone/>
+            </a:pPr>
+            <a:r>
+              <a:rPr kumimoji="0" lang="en-US" sz="3600" b="1" i="0" u="none" strike="noStrike" kern="1200" cap="none" spc="300" normalizeH="0" baseline="0" noProof="1">
+                <a:solidFill>
+                  <a:schemeClr val="tx1">
+                    <a:lumMod val="85000"/>
+                    <a:lumOff val="15000"/>
+                  </a:schemeClr>
+                </a:solidFill>
+                <a:uFillTx/>
+                <a:latin typeface="+mj-lt"/>
+                <a:ea typeface="+mj-ea"/>
+                <a:cs typeface="+mj-cs"/>
+              </a:rPr>
+              <a:t>5000hz and 25000 hz </a:t>
+            </a:r>
+            <a:r>
+              <a:rPr lang="en-US">
+                <a:sym typeface="+mn-ea"/>
+              </a:rPr>
+              <a:t>compare </a:t>
+            </a:r>
+            <a:endParaRPr kumimoji="0" lang="en-US" sz="3600" b="1" i="0" u="none" strike="noStrike" kern="1200" cap="none" spc="300" normalizeH="0" baseline="0" noProof="1">
+              <a:solidFill>
+                <a:schemeClr val="tx1">
+                  <a:lumMod val="85000"/>
+                  <a:lumOff val="15000"/>
+                </a:schemeClr>
+              </a:solidFill>
+              <a:uFillTx/>
+              <a:latin typeface="+mj-lt"/>
+              <a:ea typeface="+mj-ea"/>
+              <a:cs typeface="+mj-cs"/>
+            </a:endParaRPr>
+          </a:p>
+        </p:txBody>
+      </p:sp>
+      <p:pic>
+        <p:nvPicPr>
+          <p:cNvPr id="3" name="图片 2" descr="Actual"/>
+          <p:cNvPicPr>
+            <a:picLocks noChangeAspect="1"/>
+          </p:cNvPicPr>
+          <p:nvPr/>
+        </p:nvPicPr>
+        <p:blipFill>
+          <a:blip r:embed="rId1"/>
+          <a:stretch>
+            <a:fillRect/>
+          </a:stretch>
+        </p:blipFill>
+        <p:spPr>
+          <a:xfrm>
+            <a:off x="511175" y="1186180"/>
+            <a:ext cx="5760000" cy="4320000"/>
+          </a:xfrm>
+          <a:prstGeom prst="rect">
+            <a:avLst/>
+          </a:prstGeom>
+        </p:spPr>
+      </p:pic>
+      <p:pic>
+        <p:nvPicPr>
+          <p:cNvPr id="5" name="图片 4" descr="untitled"/>
+          <p:cNvPicPr>
+            <a:picLocks noChangeAspect="1"/>
+          </p:cNvPicPr>
+          <p:nvPr/>
+        </p:nvPicPr>
+        <p:blipFill>
+          <a:blip r:embed="rId2">
+            <a:clrChange>
+              <a:clrFrom>
+                <a:srgbClr val="FFFFFF">
+                  <a:alpha val="100000"/>
+                </a:srgbClr>
+              </a:clrFrom>
+              <a:clrTo>
+                <a:srgbClr val="FFFFFF">
+                  <a:alpha val="100000"/>
+                  <a:alpha val="0"/>
+                </a:srgbClr>
+              </a:clrTo>
+            </a:clrChange>
+          </a:blip>
+          <a:stretch>
+            <a:fillRect/>
+          </a:stretch>
+        </p:blipFill>
+        <p:spPr>
+          <a:xfrm>
+            <a:off x="511175" y="1186180"/>
+            <a:ext cx="5760000" cy="4320000"/>
+          </a:xfrm>
+          <a:prstGeom prst="rect">
+            <a:avLst/>
+          </a:prstGeom>
+        </p:spPr>
+      </p:pic>
+      <p:pic>
+        <p:nvPicPr>
+          <p:cNvPr id="15" name="图片 14" descr="Actual"/>
+          <p:cNvPicPr>
+            <a:picLocks noChangeAspect="1"/>
+          </p:cNvPicPr>
+          <p:nvPr>
+            <p:custDataLst>
+              <p:tags r:id="rId3"/>
+            </p:custDataLst>
+          </p:nvPr>
+        </p:nvPicPr>
+        <p:blipFill>
+          <a:blip r:embed="rId1"/>
+          <a:stretch>
+            <a:fillRect/>
+          </a:stretch>
+        </p:blipFill>
+        <p:spPr>
+          <a:xfrm>
+            <a:off x="6322060" y="1268730"/>
+            <a:ext cx="5760000" cy="4320000"/>
+          </a:xfrm>
+          <a:prstGeom prst="rect">
+            <a:avLst/>
+          </a:prstGeom>
+        </p:spPr>
+      </p:pic>
+      <p:pic>
+        <p:nvPicPr>
+          <p:cNvPr id="16" name="图片 15" descr="untitled"/>
+          <p:cNvPicPr>
+            <a:picLocks noChangeAspect="1"/>
+          </p:cNvPicPr>
+          <p:nvPr/>
+        </p:nvPicPr>
+        <p:blipFill>
+          <a:blip r:embed="rId4">
+            <a:clrChange>
+              <a:clrFrom>
+                <a:srgbClr val="FFFFFF">
+                  <a:alpha val="100000"/>
+                </a:srgbClr>
+              </a:clrFrom>
+              <a:clrTo>
+                <a:srgbClr val="FFFFFF">
+                  <a:alpha val="100000"/>
+                  <a:alpha val="0"/>
+                </a:srgbClr>
+              </a:clrTo>
+            </a:clrChange>
+          </a:blip>
+          <a:stretch>
+            <a:fillRect/>
+          </a:stretch>
+        </p:blipFill>
+        <p:spPr>
+          <a:xfrm>
+            <a:off x="6322060" y="1268730"/>
+            <a:ext cx="5760000" cy="4320000"/>
+          </a:xfrm>
+          <a:prstGeom prst="rect">
+            <a:avLst/>
+          </a:prstGeom>
+        </p:spPr>
+      </p:pic>
+      <p:sp>
+        <p:nvSpPr>
+          <p:cNvPr id="2" name="文本框 1"/>
+          <p:cNvSpPr txBox="1"/>
+          <p:nvPr/>
+        </p:nvSpPr>
+        <p:spPr>
+          <a:xfrm>
+            <a:off x="797560" y="5506085"/>
+            <a:ext cx="7932420" cy="1198880"/>
+          </a:xfrm>
+          <a:prstGeom prst="rect">
+            <a:avLst/>
+          </a:prstGeom>
+          <a:noFill/>
+        </p:spPr>
+        <p:txBody>
+          <a:bodyPr wrap="square" rtlCol="0">
+            <a:spAutoFit/>
+          </a:bodyPr>
           <a:p>
             <a:r>
               <a:rPr lang="zh-CN" altLang="en-US"/>
-              <a:t>Optimisation of the </a:t>
+              <a:t>提升截止频率的影响主要体现在幅值（最大的那个波峰），现在遇到的主要问题是中间小的波峰会受截止频率影响。当截止频率大于</a:t>
             </a:r>
             <a:r>
               <a:rPr lang="en-US" altLang="zh-CN"/>
-              <a:t>N, decrease the fc</a:t>
-            </a:r>
-            <a:endParaRPr lang="en-US" altLang="zh-CN"/>
+              <a:t>3.8</a:t>
+            </a:r>
+            <a:r>
+              <a:rPr lang="zh-CN" altLang="en-US"/>
+              <a:t>时，这一部分的有效数据就会一起</a:t>
+            </a:r>
+            <a:r>
+              <a:rPr lang="zh-CN" altLang="en-US"/>
+              <a:t>滤掉。</a:t>
+            </a:r>
+            <a:endParaRPr lang="zh-CN" altLang="en-US"/>
+          </a:p>
+          <a:p>
+            <a:r>
+              <a:rPr lang="zh-CN" altLang="en-US"/>
+              <a:t>滤波器滤掉的其它有效数据也需要</a:t>
+            </a:r>
+            <a:r>
+              <a:rPr lang="zh-CN" altLang="en-US"/>
+              <a:t>观察。</a:t>
+            </a:r>
+            <a:endParaRPr lang="zh-CN" altLang="en-US"/>
           </a:p>
         </p:txBody>
       </p:sp>
     </p:spTree>
     <p:custDataLst>
-      <p:tags r:id="rId1"/>
+      <p:tags r:id="rId5"/>
     </p:custDataLst>
   </p:cSld>
   <p:clrMapOvr>
@@ -6823,88 +7160,487 @@
         </p:nvSpPr>
         <p:spPr>
           <a:xfrm>
-            <a:off x="608013" y="608013"/>
-            <a:ext cx="10969625" cy="706437"/>
-          </a:xfrm>
-        </p:spPr>
-        <p:txBody>
-          <a:bodyPr lIns="90000" tIns="46800" rIns="90000" bIns="46800" anchor="ctr" anchorCtr="0"/>
-          <a:p>
-            <a:r>
-              <a:rPr lang="zh-CN" altLang="en-US"/>
-              <a:t>spectrogram</a:t>
-            </a:r>
-            <a:endParaRPr lang="zh-CN" altLang="en-US"/>
+            <a:off x="608013" y="196850"/>
+            <a:ext cx="10969625" cy="706438"/>
+          </a:xfrm>
+        </p:spPr>
+        <p:txBody>
+          <a:bodyPr lIns="90000" tIns="46800" rIns="90000" bIns="46800" rtlCol="0" anchor="ctr" anchorCtr="0">
+            <a:normAutofit/>
+          </a:bodyPr>
+          <a:p>
+            <a:pPr marL="0" marR="0" indent="0" algn="l" defTabSz="914400" rtl="0" eaLnBrk="1" fontAlgn="auto" latinLnBrk="0" hangingPunct="1">
+              <a:lnSpc>
+                <a:spcPct val="100000"/>
+              </a:lnSpc>
+              <a:spcBef>
+                <a:spcPct val="0"/>
+              </a:spcBef>
+              <a:spcAft>
+                <a:spcPct val="0"/>
+              </a:spcAft>
+              <a:buClrTx/>
+              <a:buSzTx/>
+              <a:buFontTx/>
+              <a:buNone/>
+            </a:pPr>
+            <a:r>
+              <a:rPr kumimoji="0" lang="en-US" sz="3600" b="1" i="0" u="none" strike="noStrike" kern="1200" cap="none" spc="300" normalizeH="0" baseline="0" noProof="1">
+                <a:solidFill>
+                  <a:schemeClr val="tx1">
+                    <a:lumMod val="85000"/>
+                    <a:lumOff val="15000"/>
+                  </a:schemeClr>
+                </a:solidFill>
+                <a:uFillTx/>
+                <a:latin typeface="+mj-lt"/>
+                <a:ea typeface="+mj-ea"/>
+                <a:cs typeface="+mj-cs"/>
+              </a:rPr>
+              <a:t>Compare 5000hz and 25000 </a:t>
+            </a:r>
+            <a:r>
+              <a:rPr kumimoji="0" lang="en-US" sz="3600" b="1" i="0" u="none" strike="noStrike" kern="1200" cap="none" spc="300" normalizeH="0" baseline="0" noProof="1">
+                <a:solidFill>
+                  <a:schemeClr val="tx1">
+                    <a:lumMod val="85000"/>
+                    <a:lumOff val="15000"/>
+                  </a:schemeClr>
+                </a:solidFill>
+                <a:uFillTx/>
+                <a:latin typeface="+mj-lt"/>
+                <a:ea typeface="+mj-ea"/>
+                <a:cs typeface="+mj-cs"/>
+              </a:rPr>
+              <a:t>hz</a:t>
+            </a:r>
+            <a:endParaRPr kumimoji="0" lang="en-US" sz="3600" b="1" i="0" u="none" strike="noStrike" kern="1200" cap="none" spc="300" normalizeH="0" baseline="0" noProof="1">
+              <a:solidFill>
+                <a:schemeClr val="tx1">
+                  <a:lumMod val="85000"/>
+                  <a:lumOff val="15000"/>
+                </a:schemeClr>
+              </a:solidFill>
+              <a:uFillTx/>
+              <a:latin typeface="+mj-lt"/>
+              <a:ea typeface="+mj-ea"/>
+              <a:cs typeface="+mj-cs"/>
+            </a:endParaRPr>
           </a:p>
         </p:txBody>
       </p:sp>
       <p:pic>
         <p:nvPicPr>
-          <p:cNvPr id="8194" name="图片 2"/>
+          <p:cNvPr id="12" name="图片 11" descr="Actual2"/>
           <p:cNvPicPr>
             <a:picLocks noChangeAspect="1"/>
           </p:cNvPicPr>
-          <p:nvPr>
-            <p:custDataLst>
-              <p:tags r:id="rId1"/>
-            </p:custDataLst>
-          </p:nvPr>
+          <p:nvPr/>
         </p:nvPicPr>
         <p:blipFill>
-          <a:blip r:embed="rId2"/>
+          <a:blip r:embed="rId1"/>
           <a:stretch>
             <a:fillRect/>
           </a:stretch>
         </p:blipFill>
         <p:spPr>
           <a:xfrm>
-            <a:off x="7705725" y="1606550"/>
-            <a:ext cx="3219450" cy="3419475"/>
+            <a:off x="0" y="1370965"/>
+            <a:ext cx="5760000" cy="4320000"/>
+          </a:xfrm>
+          <a:prstGeom prst="rect">
+            <a:avLst/>
+          </a:prstGeom>
+        </p:spPr>
+      </p:pic>
+      <p:pic>
+        <p:nvPicPr>
+          <p:cNvPr id="13" name="图片 12" descr="积分2 5.5"/>
+          <p:cNvPicPr>
+            <a:picLocks noChangeAspect="1"/>
+          </p:cNvPicPr>
+          <p:nvPr/>
+        </p:nvPicPr>
+        <p:blipFill>
+          <a:blip r:embed="rId2">
+            <a:clrChange>
+              <a:clrFrom>
+                <a:srgbClr val="FFFFFF">
+                  <a:alpha val="100000"/>
+                </a:srgbClr>
+              </a:clrFrom>
+              <a:clrTo>
+                <a:srgbClr val="FFFFFF">
+                  <a:alpha val="100000"/>
+                  <a:alpha val="0"/>
+                </a:srgbClr>
+              </a:clrTo>
+            </a:clrChange>
+          </a:blip>
+          <a:stretch>
+            <a:fillRect/>
+          </a:stretch>
+        </p:blipFill>
+        <p:spPr>
+          <a:xfrm>
+            <a:off x="0" y="1370965"/>
+            <a:ext cx="5760000" cy="4320000"/>
+          </a:xfrm>
+          <a:prstGeom prst="rect">
+            <a:avLst/>
+          </a:prstGeom>
+        </p:spPr>
+      </p:pic>
+      <p:sp>
+        <p:nvSpPr>
+          <p:cNvPr id="19" name="文本框 18"/>
+          <p:cNvSpPr txBox="1"/>
+          <p:nvPr/>
+        </p:nvSpPr>
+        <p:spPr>
+          <a:xfrm>
+            <a:off x="5861685" y="1229360"/>
+            <a:ext cx="4975225" cy="645160"/>
           </a:xfrm>
           <a:prstGeom prst="rect">
             <a:avLst/>
           </a:prstGeom>
           <a:noFill/>
-          <a:ln w="9525">
-            <a:noFill/>
-          </a:ln>
-        </p:spPr>
-      </p:pic>
+        </p:spPr>
+        <p:txBody>
+          <a:bodyPr wrap="square" rtlCol="0">
+            <a:spAutoFit/>
+          </a:bodyPr>
+          <a:p>
+            <a:r>
+              <a:rPr lang="zh-CN" altLang="en-US"/>
+              <a:t>注：积分结果与实际存在正负</a:t>
+            </a:r>
+            <a:r>
+              <a:rPr lang="zh-CN" altLang="en-US"/>
+              <a:t>的差别</a:t>
+            </a:r>
+            <a:endParaRPr lang="zh-CN" altLang="en-US"/>
+          </a:p>
+          <a:p>
+            <a:r>
+              <a:rPr lang="zh-CN" altLang="en-US"/>
+              <a:t>displacement = detrend(displacement) * </a:t>
+            </a:r>
+            <a:r>
+              <a:rPr lang="zh-CN" altLang="en-US">
+                <a:solidFill>
+                  <a:srgbClr val="FF0000"/>
+                </a:solidFill>
+              </a:rPr>
+              <a:t>-</a:t>
+            </a:r>
+            <a:r>
+              <a:rPr lang="zh-CN" altLang="en-US"/>
+              <a:t>1000;</a:t>
+            </a:r>
+            <a:endParaRPr lang="zh-CN" altLang="en-US"/>
+          </a:p>
+        </p:txBody>
+      </p:sp>
+    </p:spTree>
+    <p:custDataLst>
+      <p:tags r:id="rId3"/>
+    </p:custDataLst>
+  </p:cSld>
+  <p:clrMapOvr>
+    <a:masterClrMapping/>
+  </p:clrMapOvr>
+</p:sld>
+</file>
+
+<file path=ppt/slides/slide7.xml><?xml version="1.0" encoding="utf-8"?>
+<p:sld xmlns:a="http://schemas.openxmlformats.org/drawingml/2006/main" xmlns:r="http://schemas.openxmlformats.org/officeDocument/2006/relationships" xmlns:p="http://schemas.openxmlformats.org/presentationml/2006/main">
+  <p:cSld>
+    <p:spTree>
+      <p:nvGrpSpPr>
+        <p:cNvPr id="1" name=""/>
+        <p:cNvGrpSpPr/>
+        <p:nvPr/>
+      </p:nvGrpSpPr>
+      <p:grpSpPr/>
+      <p:sp>
+        <p:nvSpPr>
+          <p:cNvPr id="7169" name="标题 1"/>
+          <p:cNvSpPr>
+            <a:spLocks noGrp="1"/>
+          </p:cNvSpPr>
+          <p:nvPr>
+            <p:ph type="title"/>
+          </p:nvPr>
+        </p:nvSpPr>
+        <p:spPr>
+          <a:xfrm>
+            <a:off x="608013" y="256858"/>
+            <a:ext cx="10969625" cy="706437"/>
+          </a:xfrm>
+        </p:spPr>
+        <p:txBody>
+          <a:bodyPr lIns="90000" tIns="46800" rIns="90000" bIns="46800" anchor="ctr" anchorCtr="0"/>
+          <a:p>
+            <a:r>
+              <a:rPr lang="zh-CN" altLang="en-US"/>
+              <a:t>Optimisation of the </a:t>
+            </a:r>
+            <a:r>
+              <a:rPr lang="en-US" altLang="zh-CN"/>
+              <a:t>N, decrease the fc</a:t>
+            </a:r>
+            <a:endParaRPr lang="en-US" altLang="zh-CN"/>
+          </a:p>
+        </p:txBody>
+      </p:sp>
       <p:pic>
         <p:nvPicPr>
-          <p:cNvPr id="8195" name="图片 3"/>
+          <p:cNvPr id="2" name="图片 1" descr="积分1 三阶 5"/>
           <p:cNvPicPr>
             <a:picLocks noChangeAspect="1"/>
           </p:cNvPicPr>
-          <p:nvPr>
-            <p:custDataLst>
-              <p:tags r:id="rId3"/>
-            </p:custDataLst>
-          </p:nvPr>
+          <p:nvPr/>
         </p:nvPicPr>
         <p:blipFill>
-          <a:blip r:embed="rId4"/>
+          <a:blip r:embed="rId1"/>
           <a:stretch>
             <a:fillRect/>
           </a:stretch>
         </p:blipFill>
         <p:spPr>
           <a:xfrm>
-            <a:off x="608013" y="1517650"/>
-            <a:ext cx="6286500" cy="4953000"/>
+            <a:off x="0" y="1380490"/>
+            <a:ext cx="12192000" cy="6000750"/>
+          </a:xfrm>
+          <a:prstGeom prst="rect">
+            <a:avLst/>
+          </a:prstGeom>
+        </p:spPr>
+      </p:pic>
+      <p:sp>
+        <p:nvSpPr>
+          <p:cNvPr id="3" name="文本框 2"/>
+          <p:cNvSpPr txBox="1"/>
+          <p:nvPr/>
+        </p:nvSpPr>
+        <p:spPr>
+          <a:xfrm>
+            <a:off x="753110" y="1018540"/>
+            <a:ext cx="3797935" cy="368300"/>
           </a:xfrm>
           <a:prstGeom prst="rect">
             <a:avLst/>
           </a:prstGeom>
           <a:noFill/>
-          <a:ln w="9525">
-            <a:noFill/>
-          </a:ln>
+        </p:spPr>
+        <p:txBody>
+          <a:bodyPr wrap="square" rtlCol="0">
+            <a:spAutoFit/>
+          </a:bodyPr>
+          <a:p>
+            <a:r>
+              <a:rPr lang="en-US" altLang="zh-CN"/>
+              <a:t>Railtrack1 N=3 </a:t>
+            </a:r>
+            <a:r>
+              <a:rPr lang="en-US" altLang="zh-CN"/>
+              <a:t>fc=5</a:t>
+            </a:r>
+            <a:endParaRPr lang="en-US" altLang="zh-CN"/>
+          </a:p>
+        </p:txBody>
+      </p:sp>
+    </p:spTree>
+    <p:custDataLst>
+      <p:tags r:id="rId2"/>
+    </p:custDataLst>
+  </p:cSld>
+  <p:clrMapOvr>
+    <a:masterClrMapping/>
+  </p:clrMapOvr>
+</p:sld>
+</file>
+
+<file path=ppt/slides/slide8.xml><?xml version="1.0" encoding="utf-8"?>
+<p:sld xmlns:a="http://schemas.openxmlformats.org/drawingml/2006/main" xmlns:r="http://schemas.openxmlformats.org/officeDocument/2006/relationships" xmlns:p="http://schemas.openxmlformats.org/presentationml/2006/main">
+  <p:cSld>
+    <p:spTree>
+      <p:nvGrpSpPr>
+        <p:cNvPr id="1" name=""/>
+        <p:cNvGrpSpPr/>
+        <p:nvPr/>
+      </p:nvGrpSpPr>
+      <p:grpSpPr/>
+      <p:sp>
+        <p:nvSpPr>
+          <p:cNvPr id="7169" name="标题 1"/>
+          <p:cNvSpPr>
+            <a:spLocks noGrp="1"/>
+          </p:cNvSpPr>
+          <p:nvPr>
+            <p:ph type="title"/>
+          </p:nvPr>
+        </p:nvSpPr>
+        <p:spPr>
+          <a:xfrm>
+            <a:off x="608013" y="256858"/>
+            <a:ext cx="10969625" cy="706437"/>
+          </a:xfrm>
+        </p:spPr>
+        <p:txBody>
+          <a:bodyPr lIns="90000" tIns="46800" rIns="90000" bIns="46800" anchor="ctr" anchorCtr="0"/>
+          <a:p>
+            <a:r>
+              <a:rPr lang="zh-CN" altLang="en-US"/>
+              <a:t>Optimisation of the </a:t>
+            </a:r>
+            <a:r>
+              <a:rPr lang="en-US" altLang="zh-CN"/>
+              <a:t>N, decrease the fc</a:t>
+            </a:r>
+            <a:endParaRPr lang="en-US" altLang="zh-CN"/>
+          </a:p>
+        </p:txBody>
+      </p:sp>
+      <p:sp>
+        <p:nvSpPr>
+          <p:cNvPr id="3" name="文本框 2"/>
+          <p:cNvSpPr txBox="1"/>
+          <p:nvPr/>
+        </p:nvSpPr>
+        <p:spPr>
+          <a:xfrm>
+            <a:off x="753110" y="1018540"/>
+            <a:ext cx="3797935" cy="368300"/>
+          </a:xfrm>
+          <a:prstGeom prst="rect">
+            <a:avLst/>
+          </a:prstGeom>
+          <a:noFill/>
+        </p:spPr>
+        <p:txBody>
+          <a:bodyPr wrap="square" rtlCol="0">
+            <a:spAutoFit/>
+          </a:bodyPr>
+          <a:p>
+            <a:r>
+              <a:rPr lang="en-US" altLang="zh-CN"/>
+              <a:t>Railtrack1 N=4 </a:t>
+            </a:r>
+            <a:r>
+              <a:rPr lang="en-US" altLang="zh-CN"/>
+              <a:t>fc=4.4</a:t>
+            </a:r>
+            <a:endParaRPr lang="en-US" altLang="zh-CN"/>
+          </a:p>
+        </p:txBody>
+      </p:sp>
+      <p:pic>
+        <p:nvPicPr>
+          <p:cNvPr id="4" name="图片 3" descr="积分1 4阶 4.4"/>
+          <p:cNvPicPr>
+            <a:picLocks noChangeAspect="1"/>
+          </p:cNvPicPr>
+          <p:nvPr/>
+        </p:nvPicPr>
+        <p:blipFill>
+          <a:blip r:embed="rId1"/>
+          <a:stretch>
+            <a:fillRect/>
+          </a:stretch>
+        </p:blipFill>
+        <p:spPr>
+          <a:xfrm>
+            <a:off x="0" y="1507490"/>
+            <a:ext cx="12192000" cy="6000750"/>
+          </a:xfrm>
+          <a:prstGeom prst="rect">
+            <a:avLst/>
+          </a:prstGeom>
         </p:spPr>
       </p:pic>
     </p:spTree>
     <p:custDataLst>
-      <p:tags r:id="rId5"/>
+      <p:tags r:id="rId2"/>
+    </p:custDataLst>
+  </p:cSld>
+  <p:clrMapOvr>
+    <a:masterClrMapping/>
+  </p:clrMapOvr>
+</p:sld>
+</file>
+
+<file path=ppt/slides/slide9.xml><?xml version="1.0" encoding="utf-8"?>
+<p:sld xmlns:a="http://schemas.openxmlformats.org/drawingml/2006/main" xmlns:r="http://schemas.openxmlformats.org/officeDocument/2006/relationships" xmlns:p="http://schemas.openxmlformats.org/presentationml/2006/main">
+  <p:cSld>
+    <p:spTree>
+      <p:nvGrpSpPr>
+        <p:cNvPr id="1" name=""/>
+        <p:cNvGrpSpPr/>
+        <p:nvPr/>
+      </p:nvGrpSpPr>
+      <p:grpSpPr/>
+      <p:sp>
+        <p:nvSpPr>
+          <p:cNvPr id="7169" name="标题 1"/>
+          <p:cNvSpPr>
+            <a:spLocks noGrp="1"/>
+          </p:cNvSpPr>
+          <p:nvPr>
+            <p:ph type="title"/>
+          </p:nvPr>
+        </p:nvSpPr>
+        <p:spPr>
+          <a:xfrm>
+            <a:off x="608013" y="256858"/>
+            <a:ext cx="10969625" cy="706437"/>
+          </a:xfrm>
+        </p:spPr>
+        <p:txBody>
+          <a:bodyPr lIns="90000" tIns="46800" rIns="90000" bIns="46800" anchor="ctr" anchorCtr="0"/>
+          <a:p>
+            <a:r>
+              <a:rPr lang="zh-CN" altLang="en-US"/>
+              <a:t>一些其它尝试（加速度</a:t>
+            </a:r>
+            <a:r>
+              <a:rPr lang="zh-CN" altLang="en-US"/>
+              <a:t>处理）</a:t>
+            </a:r>
+            <a:endParaRPr lang="zh-CN" altLang="en-US"/>
+          </a:p>
+        </p:txBody>
+      </p:sp>
+      <p:pic>
+        <p:nvPicPr>
+          <p:cNvPr id="6" name="图片 5" descr="三种acc处理"/>
+          <p:cNvPicPr>
+            <a:picLocks noChangeAspect="1"/>
+          </p:cNvPicPr>
+          <p:nvPr/>
+        </p:nvPicPr>
+        <p:blipFill>
+          <a:blip r:embed="rId1"/>
+          <a:srcRect l="10500" r="7865"/>
+          <a:stretch>
+            <a:fillRect/>
+          </a:stretch>
+        </p:blipFill>
+        <p:spPr>
+          <a:xfrm>
+            <a:off x="83185" y="808355"/>
+            <a:ext cx="12019280" cy="5911215"/>
+          </a:xfrm>
+          <a:prstGeom prst="rect">
+            <a:avLst/>
+          </a:prstGeom>
+        </p:spPr>
+      </p:pic>
+    </p:spTree>
+    <p:custDataLst>
+      <p:tags r:id="rId2"/>
     </p:custDataLst>
   </p:cSld>
   <p:clrMapOvr>
@@ -7069,21 +7805,23 @@
 
 <file path=ppt/tags/tag26.xml><?xml version="1.0" encoding="utf-8"?>
 <p:tagLst xmlns:p="http://schemas.openxmlformats.org/presentationml/2006/main">
+  <p:tag name="KSO_WM_BEAUTIFY_FLAG" val=""/>
+</p:tagLst>
+</file>
+
+<file path=ppt/tags/tag27.xml><?xml version="1.0" encoding="utf-8"?>
+<p:tagLst xmlns:p="http://schemas.openxmlformats.org/presentationml/2006/main">
   <p:tag name="KSO_WM_BEAUTIFY_FLAG" val="#wm#"/>
   <p:tag name="KSO_WM_TEMPLATE_CATEGORY" val="custom"/>
   <p:tag name="KSO_WM_TEMPLATE_INDEX" val="20205081"/>
 </p:tagLst>
 </file>
 
-<file path=ppt/tags/tag27.xml><?xml version="1.0" encoding="utf-8"?>
-<p:tagLst xmlns:p="http://schemas.openxmlformats.org/presentationml/2006/main">
-  <p:tag name="KSO_WM_BEAUTIFY_FLAG" val=""/>
-</p:tagLst>
-</file>
-
 <file path=ppt/tags/tag28.xml><?xml version="1.0" encoding="utf-8"?>
 <p:tagLst xmlns:p="http://schemas.openxmlformats.org/presentationml/2006/main">
-  <p:tag name="KSO_WM_BEAUTIFY_FLAG" val=""/>
+  <p:tag name="KSO_WM_BEAUTIFY_FLAG" val="#wm#"/>
+  <p:tag name="KSO_WM_TEMPLATE_CATEGORY" val="custom"/>
+  <p:tag name="KSO_WM_TEMPLATE_INDEX" val="20205081"/>
 </p:tagLst>
 </file>
 
@@ -7110,7 +7848,44 @@
 
 <file path=ppt/tags/tag30.xml><?xml version="1.0" encoding="utf-8"?>
 <p:tagLst xmlns:p="http://schemas.openxmlformats.org/presentationml/2006/main">
+  <p:tag name="KSO_WM_BEAUTIFY_FLAG" val="#wm#"/>
+  <p:tag name="KSO_WM_TEMPLATE_CATEGORY" val="custom"/>
+  <p:tag name="KSO_WM_TEMPLATE_INDEX" val="20205081"/>
+</p:tagLst>
+</file>
+
+<file path=ppt/tags/tag31.xml><?xml version="1.0" encoding="utf-8"?>
+<p:tagLst xmlns:p="http://schemas.openxmlformats.org/presentationml/2006/main">
+  <p:tag name="KSO_WM_BEAUTIFY_FLAG" val="#wm#"/>
+  <p:tag name="KSO_WM_TEMPLATE_CATEGORY" val="custom"/>
+  <p:tag name="KSO_WM_TEMPLATE_INDEX" val="20205081"/>
+</p:tagLst>
+</file>
+
+<file path=ppt/tags/tag32.xml><?xml version="1.0" encoding="utf-8"?>
+<p:tagLst xmlns:p="http://schemas.openxmlformats.org/presentationml/2006/main">
+  <p:tag name="KSO_WM_BEAUTIFY_FLAG" val=""/>
+</p:tagLst>
+</file>
+
+<file path=ppt/tags/tag33.xml><?xml version="1.0" encoding="utf-8"?>
+<p:tagLst xmlns:p="http://schemas.openxmlformats.org/presentationml/2006/main">
+  <p:tag name="KSO_WM_BEAUTIFY_FLAG" val=""/>
+</p:tagLst>
+</file>
+
+<file path=ppt/tags/tag34.xml><?xml version="1.0" encoding="utf-8"?>
+<p:tagLst xmlns:p="http://schemas.openxmlformats.org/presentationml/2006/main">
+  <p:tag name="KSO_WM_BEAUTIFY_FLAG" val="#wm#"/>
+  <p:tag name="KSO_WM_TEMPLATE_CATEGORY" val="custom"/>
+  <p:tag name="KSO_WM_TEMPLATE_INDEX" val="20205081"/>
+</p:tagLst>
+</file>
+
+<file path=ppt/tags/tag35.xml><?xml version="1.0" encoding="utf-8"?>
+<p:tagLst xmlns:p="http://schemas.openxmlformats.org/presentationml/2006/main">
   <p:tag name="COMMONDATA" val="eyJoZGlkIjoiMTAyNTVkNTdiNmQxMTkyODQyYzgxNjk1OGE5NWFiN2QifQ=="/>
+  <p:tag name="KSO_WPP_MARK_KEY" val="4149bd26-85e9-4fed-ae83-1197c2b31228"/>
 </p:tagLst>
 </file>
 

--- a/simple.pptx
+++ b/simple.pptx
@@ -16,11 +16,14 @@
     <p:sldId id="277" r:id="rId11"/>
     <p:sldId id="278" r:id="rId12"/>
     <p:sldId id="283" r:id="rId13"/>
+    <p:sldId id="284" r:id="rId14"/>
+    <p:sldId id="285" r:id="rId15"/>
+    <p:sldId id="286" r:id="rId16"/>
   </p:sldIdLst>
   <p:sldSz cx="12192000" cy="6858000"/>
   <p:notesSz cx="6858000" cy="9144000"/>
   <p:custDataLst>
-    <p:tags r:id="rId17"/>
+    <p:tags r:id="rId20"/>
   </p:custDataLst>
   <p:defaultTextStyle>
     <a:defPPr>
@@ -6292,6 +6295,491 @@
 </p:sld>
 </file>
 
+<file path=ppt/slides/slide11.xml><?xml version="1.0" encoding="utf-8"?>
+<p:sld xmlns:a="http://schemas.openxmlformats.org/drawingml/2006/main" xmlns:r="http://schemas.openxmlformats.org/officeDocument/2006/relationships" xmlns:p="http://schemas.openxmlformats.org/presentationml/2006/main">
+  <p:cSld>
+    <p:spTree>
+      <p:nvGrpSpPr>
+        <p:cNvPr id="1" name=""/>
+        <p:cNvGrpSpPr/>
+        <p:nvPr/>
+      </p:nvGrpSpPr>
+      <p:grpSpPr/>
+      <p:sp>
+        <p:nvSpPr>
+          <p:cNvPr id="7169" name="标题 1"/>
+          <p:cNvSpPr>
+            <a:spLocks noGrp="1"/>
+          </p:cNvSpPr>
+          <p:nvPr>
+            <p:ph type="title"/>
+          </p:nvPr>
+        </p:nvSpPr>
+        <p:spPr>
+          <a:xfrm>
+            <a:off x="608013" y="256858"/>
+            <a:ext cx="10969625" cy="706437"/>
+          </a:xfrm>
+        </p:spPr>
+        <p:txBody>
+          <a:bodyPr lIns="90000" tIns="46800" rIns="90000" bIns="46800" anchor="ctr" anchorCtr="0"/>
+          <a:p>
+            <a:r>
+              <a:rPr lang="en-US" altLang="zh-CN"/>
+              <a:t>Compare FFT</a:t>
+            </a:r>
+            <a:endParaRPr lang="en-US" altLang="zh-CN"/>
+          </a:p>
+        </p:txBody>
+      </p:sp>
+      <p:pic>
+        <p:nvPicPr>
+          <p:cNvPr id="4" name="图片 3"/>
+          <p:cNvPicPr>
+            <a:picLocks noChangeAspect="1"/>
+          </p:cNvPicPr>
+          <p:nvPr>
+            <p:custDataLst>
+              <p:tags r:id="rId1"/>
+            </p:custDataLst>
+          </p:nvPr>
+        </p:nvPicPr>
+        <p:blipFill>
+          <a:blip r:embed="rId2"/>
+          <a:stretch>
+            <a:fillRect/>
+          </a:stretch>
+        </p:blipFill>
+        <p:spPr>
+          <a:xfrm>
+            <a:off x="462915" y="1506855"/>
+            <a:ext cx="7926705" cy="4993640"/>
+          </a:xfrm>
+          <a:prstGeom prst="rect">
+            <a:avLst/>
+          </a:prstGeom>
+        </p:spPr>
+      </p:pic>
+      <p:sp>
+        <p:nvSpPr>
+          <p:cNvPr id="5" name="文本框 4"/>
+          <p:cNvSpPr txBox="1"/>
+          <p:nvPr/>
+        </p:nvSpPr>
+        <p:spPr>
+          <a:xfrm>
+            <a:off x="605790" y="1050925"/>
+            <a:ext cx="4431030" cy="368300"/>
+          </a:xfrm>
+          <a:prstGeom prst="rect">
+            <a:avLst/>
+          </a:prstGeom>
+          <a:noFill/>
+        </p:spPr>
+        <p:txBody>
+          <a:bodyPr wrap="square" rtlCol="0">
+            <a:spAutoFit/>
+          </a:bodyPr>
+          <a:p>
+            <a:r>
+              <a:rPr lang="en-US" altLang="zh-CN"/>
+              <a:t>Smoothed with primitive	</a:t>
+            </a:r>
+            <a:endParaRPr lang="en-US" altLang="zh-CN"/>
+          </a:p>
+        </p:txBody>
+      </p:sp>
+      <p:sp>
+        <p:nvSpPr>
+          <p:cNvPr id="7" name="文本框 6"/>
+          <p:cNvSpPr txBox="1"/>
+          <p:nvPr/>
+        </p:nvSpPr>
+        <p:spPr>
+          <a:xfrm>
+            <a:off x="9070975" y="1804035"/>
+            <a:ext cx="3075305" cy="1577340"/>
+          </a:xfrm>
+          <a:prstGeom prst="rect">
+            <a:avLst/>
+          </a:prstGeom>
+          <a:noFill/>
+        </p:spPr>
+        <p:txBody>
+          <a:bodyPr wrap="square" rtlCol="0">
+            <a:noAutofit/>
+          </a:bodyPr>
+          <a:p>
+            <a:r>
+              <a:rPr lang="zh-CN" altLang="en-US"/>
+              <a:t>滑动</a:t>
+            </a:r>
+            <a:r>
+              <a:rPr lang="zh-CN" altLang="en-US"/>
+              <a:t>降噪：</a:t>
+            </a:r>
+            <a:endParaRPr lang="zh-CN" altLang="en-US"/>
+          </a:p>
+          <a:p>
+            <a:r>
+              <a:rPr lang="zh-CN" altLang="en-US"/>
+              <a:t>存在一定差别，</a:t>
+            </a:r>
+            <a:endParaRPr lang="zh-CN" altLang="en-US"/>
+          </a:p>
+          <a:p>
+            <a:r>
+              <a:rPr lang="zh-CN" altLang="en-US"/>
+              <a:t>同时幅值</a:t>
+            </a:r>
+            <a:r>
+              <a:rPr lang="zh-CN" altLang="en-US"/>
+              <a:t>也不同。</a:t>
+            </a:r>
+            <a:endParaRPr lang="zh-CN" altLang="en-US"/>
+          </a:p>
+          <a:p>
+            <a:r>
+              <a:rPr lang="zh-CN" altLang="en-US"/>
+              <a:t>没有明显截掉的</a:t>
+            </a:r>
+            <a:r>
+              <a:rPr lang="zh-CN" altLang="en-US"/>
+              <a:t>部分</a:t>
+            </a:r>
+            <a:endParaRPr lang="zh-CN" altLang="en-US"/>
+          </a:p>
+        </p:txBody>
+      </p:sp>
+      <p:pic>
+        <p:nvPicPr>
+          <p:cNvPr id="8" name="图片 7"/>
+          <p:cNvPicPr>
+            <a:picLocks noChangeAspect="1"/>
+          </p:cNvPicPr>
+          <p:nvPr>
+            <p:custDataLst>
+              <p:tags r:id="rId3"/>
+            </p:custDataLst>
+          </p:nvPr>
+        </p:nvPicPr>
+        <p:blipFill>
+          <a:blip r:embed="rId4"/>
+          <a:stretch>
+            <a:fillRect/>
+          </a:stretch>
+        </p:blipFill>
+        <p:spPr>
+          <a:xfrm>
+            <a:off x="9232900" y="3381375"/>
+            <a:ext cx="2108200" cy="3041650"/>
+          </a:xfrm>
+          <a:prstGeom prst="rect">
+            <a:avLst/>
+          </a:prstGeom>
+        </p:spPr>
+      </p:pic>
+    </p:spTree>
+    <p:custDataLst>
+      <p:tags r:id="rId5"/>
+    </p:custDataLst>
+  </p:cSld>
+  <p:clrMapOvr>
+    <a:masterClrMapping/>
+  </p:clrMapOvr>
+</p:sld>
+</file>
+
+<file path=ppt/slides/slide12.xml><?xml version="1.0" encoding="utf-8"?>
+<p:sld xmlns:a="http://schemas.openxmlformats.org/drawingml/2006/main" xmlns:r="http://schemas.openxmlformats.org/officeDocument/2006/relationships" xmlns:p="http://schemas.openxmlformats.org/presentationml/2006/main">
+  <p:cSld>
+    <p:spTree>
+      <p:nvGrpSpPr>
+        <p:cNvPr id="1" name=""/>
+        <p:cNvGrpSpPr/>
+        <p:nvPr/>
+      </p:nvGrpSpPr>
+      <p:grpSpPr/>
+      <p:sp>
+        <p:nvSpPr>
+          <p:cNvPr id="7169" name="标题 1"/>
+          <p:cNvSpPr>
+            <a:spLocks noGrp="1"/>
+          </p:cNvSpPr>
+          <p:nvPr>
+            <p:ph type="title"/>
+          </p:nvPr>
+        </p:nvSpPr>
+        <p:spPr>
+          <a:xfrm>
+            <a:off x="608013" y="256858"/>
+            <a:ext cx="10969625" cy="706437"/>
+          </a:xfrm>
+        </p:spPr>
+        <p:txBody>
+          <a:bodyPr lIns="90000" tIns="46800" rIns="90000" bIns="46800" anchor="ctr" anchorCtr="0"/>
+          <a:p>
+            <a:r>
+              <a:rPr lang="en-US" altLang="zh-CN"/>
+              <a:t>Compare FFT</a:t>
+            </a:r>
+            <a:endParaRPr lang="en-US" altLang="zh-CN"/>
+          </a:p>
+        </p:txBody>
+      </p:sp>
+      <p:sp>
+        <p:nvSpPr>
+          <p:cNvPr id="5" name="文本框 4"/>
+          <p:cNvSpPr txBox="1"/>
+          <p:nvPr/>
+        </p:nvSpPr>
+        <p:spPr>
+          <a:xfrm>
+            <a:off x="605790" y="1050925"/>
+            <a:ext cx="4431030" cy="368300"/>
+          </a:xfrm>
+          <a:prstGeom prst="rect">
+            <a:avLst/>
+          </a:prstGeom>
+          <a:noFill/>
+        </p:spPr>
+        <p:txBody>
+          <a:bodyPr wrap="square" rtlCol="0">
+            <a:spAutoFit/>
+          </a:bodyPr>
+          <a:p>
+            <a:r>
+              <a:rPr lang="en-US" altLang="zh-CN"/>
+              <a:t>filtered with primitive	</a:t>
+            </a:r>
+            <a:endParaRPr lang="en-US" altLang="zh-CN"/>
+          </a:p>
+        </p:txBody>
+      </p:sp>
+      <p:pic>
+        <p:nvPicPr>
+          <p:cNvPr id="3" name="图片 2"/>
+          <p:cNvPicPr>
+            <a:picLocks noChangeAspect="1"/>
+          </p:cNvPicPr>
+          <p:nvPr>
+            <p:custDataLst>
+              <p:tags r:id="rId1"/>
+            </p:custDataLst>
+          </p:nvPr>
+        </p:nvPicPr>
+        <p:blipFill>
+          <a:blip r:embed="rId2"/>
+          <a:stretch>
+            <a:fillRect/>
+          </a:stretch>
+        </p:blipFill>
+        <p:spPr>
+          <a:xfrm>
+            <a:off x="211455" y="1584325"/>
+            <a:ext cx="8254365" cy="5190490"/>
+          </a:xfrm>
+          <a:prstGeom prst="rect">
+            <a:avLst/>
+          </a:prstGeom>
+        </p:spPr>
+      </p:pic>
+      <p:sp>
+        <p:nvSpPr>
+          <p:cNvPr id="7" name="文本框 6"/>
+          <p:cNvSpPr txBox="1"/>
+          <p:nvPr>
+            <p:custDataLst>
+              <p:tags r:id="rId3"/>
+            </p:custDataLst>
+          </p:nvPr>
+        </p:nvSpPr>
+        <p:spPr>
+          <a:xfrm>
+            <a:off x="8881110" y="1050925"/>
+            <a:ext cx="3075305" cy="1577340"/>
+          </a:xfrm>
+          <a:prstGeom prst="rect">
+            <a:avLst/>
+          </a:prstGeom>
+          <a:noFill/>
+        </p:spPr>
+        <p:txBody>
+          <a:bodyPr wrap="square" rtlCol="0">
+            <a:noAutofit/>
+          </a:bodyPr>
+          <a:p>
+            <a:r>
+              <a:rPr lang="zh-CN" altLang="en-US"/>
+              <a:t>滤波器降噪：</a:t>
+            </a:r>
+            <a:endParaRPr lang="zh-CN" altLang="en-US"/>
+          </a:p>
+          <a:p>
+            <a:r>
+              <a:rPr lang="zh-CN" altLang="en-US"/>
+              <a:t>主要区别在截止频率前的信号被全部</a:t>
+            </a:r>
+            <a:r>
+              <a:rPr lang="zh-CN" altLang="en-US"/>
+              <a:t>截断</a:t>
+            </a:r>
+            <a:endParaRPr lang="zh-CN" altLang="en-US"/>
+          </a:p>
+          <a:p>
+            <a:r>
+              <a:rPr lang="zh-CN" altLang="en-US"/>
+              <a:t>其它信号也与初始</a:t>
+            </a:r>
+            <a:r>
+              <a:rPr lang="zh-CN" altLang="en-US"/>
+              <a:t>有一定差别</a:t>
+            </a:r>
+            <a:endParaRPr lang="zh-CN" altLang="en-US"/>
+          </a:p>
+          <a:p>
+            <a:r>
+              <a:rPr lang="zh-CN" altLang="en-US"/>
+              <a:t>截掉了一部分</a:t>
+            </a:r>
+            <a:r>
+              <a:rPr lang="zh-CN" altLang="en-US"/>
+              <a:t>幅值</a:t>
+            </a:r>
+            <a:endParaRPr lang="zh-CN" altLang="en-US"/>
+          </a:p>
+        </p:txBody>
+      </p:sp>
+      <p:pic>
+        <p:nvPicPr>
+          <p:cNvPr id="8" name="图片 7"/>
+          <p:cNvPicPr>
+            <a:picLocks noChangeAspect="1"/>
+          </p:cNvPicPr>
+          <p:nvPr>
+            <p:custDataLst>
+              <p:tags r:id="rId4"/>
+            </p:custDataLst>
+          </p:nvPr>
+        </p:nvPicPr>
+        <p:blipFill>
+          <a:blip r:embed="rId5"/>
+          <a:stretch>
+            <a:fillRect/>
+          </a:stretch>
+        </p:blipFill>
+        <p:spPr>
+          <a:xfrm>
+            <a:off x="9256395" y="3148965"/>
+            <a:ext cx="2425700" cy="3409950"/>
+          </a:xfrm>
+          <a:prstGeom prst="rect">
+            <a:avLst/>
+          </a:prstGeom>
+        </p:spPr>
+      </p:pic>
+    </p:spTree>
+    <p:custDataLst>
+      <p:tags r:id="rId6"/>
+    </p:custDataLst>
+  </p:cSld>
+  <p:clrMapOvr>
+    <a:masterClrMapping/>
+  </p:clrMapOvr>
+</p:sld>
+</file>
+
+<file path=ppt/slides/slide13.xml><?xml version="1.0" encoding="utf-8"?>
+<p:sld xmlns:a="http://schemas.openxmlformats.org/drawingml/2006/main" xmlns:r="http://schemas.openxmlformats.org/officeDocument/2006/relationships" xmlns:p="http://schemas.openxmlformats.org/presentationml/2006/main">
+  <p:cSld>
+    <p:spTree>
+      <p:nvGrpSpPr>
+        <p:cNvPr id="1" name=""/>
+        <p:cNvGrpSpPr/>
+        <p:nvPr/>
+      </p:nvGrpSpPr>
+      <p:grpSpPr/>
+      <p:sp>
+        <p:nvSpPr>
+          <p:cNvPr id="7169" name="标题 1"/>
+          <p:cNvSpPr>
+            <a:spLocks noGrp="1"/>
+          </p:cNvSpPr>
+          <p:nvPr>
+            <p:ph type="title"/>
+          </p:nvPr>
+        </p:nvSpPr>
+        <p:spPr>
+          <a:xfrm>
+            <a:off x="608013" y="256858"/>
+            <a:ext cx="10969625" cy="706437"/>
+          </a:xfrm>
+        </p:spPr>
+        <p:txBody>
+          <a:bodyPr lIns="90000" tIns="46800" rIns="90000" bIns="46800" anchor="ctr" anchorCtr="0"/>
+          <a:p>
+            <a:r>
+              <a:rPr lang="en-US" altLang="zh-CN">
+                <a:sym typeface="+mn-ea"/>
+              </a:rPr>
+              <a:t>Smoothed </a:t>
+            </a:r>
+            <a:r>
+              <a:rPr lang="en-US" altLang="zh-CN">
+                <a:sym typeface="+mn-ea"/>
+              </a:rPr>
+              <a:t>method</a:t>
+            </a:r>
+            <a:endParaRPr lang="en-US" altLang="zh-CN">
+              <a:sym typeface="+mn-ea"/>
+            </a:endParaRPr>
+          </a:p>
+        </p:txBody>
+      </p:sp>
+      <p:sp>
+        <p:nvSpPr>
+          <p:cNvPr id="5" name="文本框 4"/>
+          <p:cNvSpPr txBox="1"/>
+          <p:nvPr/>
+        </p:nvSpPr>
+        <p:spPr>
+          <a:xfrm>
+            <a:off x="688340" y="1235075"/>
+            <a:ext cx="4431030" cy="368300"/>
+          </a:xfrm>
+          <a:prstGeom prst="rect">
+            <a:avLst/>
+          </a:prstGeom>
+          <a:noFill/>
+        </p:spPr>
+        <p:txBody>
+          <a:bodyPr wrap="square" rtlCol="0">
+            <a:spAutoFit/>
+          </a:bodyPr>
+          <a:p>
+            <a:r>
+              <a:rPr lang="zh-CN" altLang="en-US"/>
+              <a:t>积分法</a:t>
+            </a:r>
+            <a:r>
+              <a:rPr lang="zh-CN" altLang="en-US"/>
+              <a:t>位移</a:t>
+            </a:r>
+            <a:endParaRPr lang="zh-CN" altLang="en-US"/>
+          </a:p>
+        </p:txBody>
+      </p:sp>
+    </p:spTree>
+    <p:custDataLst>
+      <p:tags r:id="rId1"/>
+    </p:custDataLst>
+  </p:cSld>
+  <p:clrMapOvr>
+    <a:masterClrMapping/>
+  </p:clrMapOvr>
+</p:sld>
+</file>
+
 <file path=ppt/slides/slide2.xml><?xml version="1.0" encoding="utf-8"?>
 <p:sld xmlns:a="http://schemas.openxmlformats.org/drawingml/2006/main" xmlns:r="http://schemas.openxmlformats.org/officeDocument/2006/relationships" xmlns:p="http://schemas.openxmlformats.org/presentationml/2006/main">
   <p:cSld>
@@ -7884,8 +8372,33 @@
 
 <file path=ppt/tags/tag35.xml><?xml version="1.0" encoding="utf-8"?>
 <p:tagLst xmlns:p="http://schemas.openxmlformats.org/presentationml/2006/main">
-  <p:tag name="COMMONDATA" val="eyJoZGlkIjoiMTAyNTVkNTdiNmQxMTkyODQyYzgxNjk1OGE5NWFiN2QifQ=="/>
-  <p:tag name="KSO_WPP_MARK_KEY" val="4149bd26-85e9-4fed-ae83-1197c2b31228"/>
+  <p:tag name="KSO_WM_BEAUTIFY_FLAG" val=""/>
+</p:tagLst>
+</file>
+
+<file path=ppt/tags/tag36.xml><?xml version="1.0" encoding="utf-8"?>
+<p:tagLst xmlns:p="http://schemas.openxmlformats.org/presentationml/2006/main">
+  <p:tag name="KSO_WM_BEAUTIFY_FLAG" val=""/>
+</p:tagLst>
+</file>
+
+<file path=ppt/tags/tag37.xml><?xml version="1.0" encoding="utf-8"?>
+<p:tagLst xmlns:p="http://schemas.openxmlformats.org/presentationml/2006/main">
+  <p:tag name="KSO_WM_BEAUTIFY_FLAG" val="#wm#"/>
+  <p:tag name="KSO_WM_TEMPLATE_CATEGORY" val="custom"/>
+  <p:tag name="KSO_WM_TEMPLATE_INDEX" val="20205081"/>
+</p:tagLst>
+</file>
+
+<file path=ppt/tags/tag38.xml><?xml version="1.0" encoding="utf-8"?>
+<p:tagLst xmlns:p="http://schemas.openxmlformats.org/presentationml/2006/main">
+  <p:tag name="KSO_WM_BEAUTIFY_FLAG" val=""/>
+</p:tagLst>
+</file>
+
+<file path=ppt/tags/tag39.xml><?xml version="1.0" encoding="utf-8"?>
+<p:tagLst xmlns:p="http://schemas.openxmlformats.org/presentationml/2006/main">
+  <p:tag name="KSO_WM_BEAUTIFY_FLAG" val=""/>
 </p:tagLst>
 </file>
 
@@ -7899,6 +8412,35 @@
   <p:tag name="KSO_WM_UNIT_LAYERLEVEL" val="1"/>
   <p:tag name="KSO_WM_TAG_VERSION" val="1.0"/>
   <p:tag name="KSO_WM_BEAUTIFY_FLAG" val="#wm#"/>
+</p:tagLst>
+</file>
+
+<file path=ppt/tags/tag40.xml><?xml version="1.0" encoding="utf-8"?>
+<p:tagLst xmlns:p="http://schemas.openxmlformats.org/presentationml/2006/main">
+  <p:tag name="KSO_WM_BEAUTIFY_FLAG" val=""/>
+</p:tagLst>
+</file>
+
+<file path=ppt/tags/tag41.xml><?xml version="1.0" encoding="utf-8"?>
+<p:tagLst xmlns:p="http://schemas.openxmlformats.org/presentationml/2006/main">
+  <p:tag name="KSO_WM_BEAUTIFY_FLAG" val="#wm#"/>
+  <p:tag name="KSO_WM_TEMPLATE_CATEGORY" val="custom"/>
+  <p:tag name="KSO_WM_TEMPLATE_INDEX" val="20205081"/>
+</p:tagLst>
+</file>
+
+<file path=ppt/tags/tag42.xml><?xml version="1.0" encoding="utf-8"?>
+<p:tagLst xmlns:p="http://schemas.openxmlformats.org/presentationml/2006/main">
+  <p:tag name="KSO_WM_BEAUTIFY_FLAG" val="#wm#"/>
+  <p:tag name="KSO_WM_TEMPLATE_CATEGORY" val="custom"/>
+  <p:tag name="KSO_WM_TEMPLATE_INDEX" val="20205081"/>
+</p:tagLst>
+</file>
+
+<file path=ppt/tags/tag43.xml><?xml version="1.0" encoding="utf-8"?>
+<p:tagLst xmlns:p="http://schemas.openxmlformats.org/presentationml/2006/main">
+  <p:tag name="COMMONDATA" val="eyJoZGlkIjoiMTAyNTVkNTdiNmQxMTkyODQyYzgxNjk1OGE5NWFiN2QifQ=="/>
+  <p:tag name="KSO_WPP_MARK_KEY" val="4149bd26-85e9-4fed-ae83-1197c2b31228"/>
 </p:tagLst>
 </file>
 

--- a/simple.pptx
+++ b/simple.pptx
@@ -19,11 +19,12 @@
     <p:sldId id="284" r:id="rId14"/>
     <p:sldId id="285" r:id="rId15"/>
     <p:sldId id="286" r:id="rId16"/>
+    <p:sldId id="287" r:id="rId17"/>
   </p:sldIdLst>
   <p:sldSz cx="12192000" cy="6858000"/>
   <p:notesSz cx="6858000" cy="9144000"/>
   <p:custDataLst>
-    <p:tags r:id="rId20"/>
+    <p:tags r:id="rId21"/>
   </p:custDataLst>
   <p:defaultTextStyle>
     <a:defPPr>
@@ -6758,20 +6759,392 @@
           </a:bodyPr>
           <a:p>
             <a:r>
+              <a:rPr lang="en-US" altLang="zh-CN"/>
+              <a:t>Moving method </a:t>
+            </a:r>
+            <a:r>
               <a:rPr lang="zh-CN" altLang="en-US"/>
-              <a:t>积分法</a:t>
+              <a:t>降噪后使用</a:t>
             </a:r>
             <a:r>
               <a:rPr lang="zh-CN" altLang="en-US"/>
-              <a:t>位移</a:t>
+              <a:t>积分</a:t>
             </a:r>
             <a:endParaRPr lang="zh-CN" altLang="en-US"/>
           </a:p>
         </p:txBody>
       </p:sp>
+      <p:pic>
+        <p:nvPicPr>
+          <p:cNvPr id="2" name="图片 1" descr="the moving compare"/>
+          <p:cNvPicPr>
+            <a:picLocks noChangeAspect="1"/>
+          </p:cNvPicPr>
+          <p:nvPr/>
+        </p:nvPicPr>
+        <p:blipFill>
+          <a:blip r:embed="rId1"/>
+          <a:srcRect l="11060" r="7670"/>
+          <a:stretch>
+            <a:fillRect/>
+          </a:stretch>
+        </p:blipFill>
+        <p:spPr>
+          <a:xfrm>
+            <a:off x="172085" y="1809115"/>
+            <a:ext cx="7320915" cy="4430395"/>
+          </a:xfrm>
+          <a:prstGeom prst="rect">
+            <a:avLst/>
+          </a:prstGeom>
+        </p:spPr>
+      </p:pic>
+      <p:sp>
+        <p:nvSpPr>
+          <p:cNvPr id="4" name="文本框 3"/>
+          <p:cNvSpPr txBox="1"/>
+          <p:nvPr/>
+        </p:nvSpPr>
+        <p:spPr>
+          <a:xfrm>
+            <a:off x="8467090" y="1376680"/>
+            <a:ext cx="2889885" cy="1753235"/>
+          </a:xfrm>
+          <a:prstGeom prst="rect">
+            <a:avLst/>
+          </a:prstGeom>
+          <a:noFill/>
+        </p:spPr>
+        <p:txBody>
+          <a:bodyPr wrap="square" rtlCol="0">
+            <a:spAutoFit/>
+          </a:bodyPr>
+          <a:p>
+            <a:r>
+              <a:rPr lang="zh-CN" altLang="en-US"/>
+              <a:t>在</a:t>
+            </a:r>
+            <a:r>
+              <a:rPr lang="en-US" altLang="zh-CN"/>
+              <a:t>origin</a:t>
+            </a:r>
+            <a:r>
+              <a:rPr lang="zh-CN" altLang="en-US"/>
+              <a:t>上看起来区别很小，但是在积分后发现与实际存在不小的</a:t>
+            </a:r>
+            <a:r>
+              <a:rPr lang="zh-CN" altLang="en-US"/>
+              <a:t>区别</a:t>
+            </a:r>
+            <a:endParaRPr lang="zh-CN" altLang="en-US"/>
+          </a:p>
+          <a:p>
+            <a:r>
+              <a:rPr lang="zh-CN" altLang="en-US"/>
+              <a:t>（暂时没有细致调节相关参数，因为波形的区别</a:t>
+            </a:r>
+            <a:r>
+              <a:rPr lang="zh-CN" altLang="en-US"/>
+              <a:t>太大）</a:t>
+            </a:r>
+            <a:endParaRPr lang="zh-CN" altLang="en-US"/>
+          </a:p>
+        </p:txBody>
+      </p:sp>
+      <p:pic>
+        <p:nvPicPr>
+          <p:cNvPr id="6" name="图片 5"/>
+          <p:cNvPicPr>
+            <a:picLocks noChangeAspect="1"/>
+          </p:cNvPicPr>
+          <p:nvPr>
+            <p:custDataLst>
+              <p:tags r:id="rId2"/>
+            </p:custDataLst>
+          </p:nvPr>
+        </p:nvPicPr>
+        <p:blipFill>
+          <a:blip r:embed="rId3"/>
+          <a:stretch>
+            <a:fillRect/>
+          </a:stretch>
+        </p:blipFill>
+        <p:spPr>
+          <a:xfrm>
+            <a:off x="7632700" y="3429000"/>
+            <a:ext cx="4559300" cy="2406650"/>
+          </a:xfrm>
+          <a:prstGeom prst="rect">
+            <a:avLst/>
+          </a:prstGeom>
+        </p:spPr>
+      </p:pic>
     </p:spTree>
     <p:custDataLst>
-      <p:tags r:id="rId1"/>
+      <p:tags r:id="rId4"/>
+    </p:custDataLst>
+  </p:cSld>
+  <p:clrMapOvr>
+    <a:masterClrMapping/>
+  </p:clrMapOvr>
+</p:sld>
+</file>
+
+<file path=ppt/slides/slide14.xml><?xml version="1.0" encoding="utf-8"?>
+<p:sld xmlns:a="http://schemas.openxmlformats.org/drawingml/2006/main" xmlns:r="http://schemas.openxmlformats.org/officeDocument/2006/relationships" xmlns:p="http://schemas.openxmlformats.org/presentationml/2006/main">
+  <p:cSld>
+    <p:spTree>
+      <p:nvGrpSpPr>
+        <p:cNvPr id="1" name=""/>
+        <p:cNvGrpSpPr/>
+        <p:nvPr/>
+      </p:nvGrpSpPr>
+      <p:grpSpPr/>
+      <p:sp>
+        <p:nvSpPr>
+          <p:cNvPr id="7169" name="标题 1"/>
+          <p:cNvSpPr>
+            <a:spLocks noGrp="1"/>
+          </p:cNvSpPr>
+          <p:nvPr>
+            <p:ph type="title"/>
+          </p:nvPr>
+        </p:nvSpPr>
+        <p:spPr>
+          <a:xfrm>
+            <a:off x="608013" y="256858"/>
+            <a:ext cx="10969625" cy="706437"/>
+          </a:xfrm>
+        </p:spPr>
+        <p:txBody>
+          <a:bodyPr lIns="90000" tIns="46800" rIns="90000" bIns="46800" anchor="ctr" anchorCtr="0">
+            <a:normAutofit fontScale="90000"/>
+          </a:bodyPr>
+          <a:p>
+            <a:r>
+              <a:rPr lang="en-US" altLang="zh-CN">
+                <a:sym typeface="+mn-ea"/>
+              </a:rPr>
+              <a:t>polyfit method</a:t>
+            </a:r>
+            <a:r>
+              <a:rPr lang="zh-CN" altLang="en-US">
+                <a:sym typeface="+mn-ea"/>
+              </a:rPr>
+              <a:t>（detrend）</a:t>
+            </a:r>
+            <a:br>
+              <a:rPr lang="en-US" altLang="zh-CN">
+                <a:sym typeface="+mn-ea"/>
+              </a:rPr>
+            </a:br>
+            <a:endParaRPr lang="en-US" altLang="zh-CN">
+              <a:sym typeface="+mn-ea"/>
+            </a:endParaRPr>
+          </a:p>
+        </p:txBody>
+      </p:sp>
+      <p:sp>
+        <p:nvSpPr>
+          <p:cNvPr id="5" name="文本框 4"/>
+          <p:cNvSpPr txBox="1"/>
+          <p:nvPr/>
+        </p:nvSpPr>
+        <p:spPr>
+          <a:xfrm>
+            <a:off x="688340" y="1235075"/>
+            <a:ext cx="4431030" cy="368300"/>
+          </a:xfrm>
+          <a:prstGeom prst="rect">
+            <a:avLst/>
+          </a:prstGeom>
+          <a:noFill/>
+        </p:spPr>
+        <p:txBody>
+          <a:bodyPr wrap="square" rtlCol="0">
+            <a:spAutoFit/>
+          </a:bodyPr>
+          <a:p>
+            <a:r>
+              <a:rPr lang="en-US" altLang="zh-CN">
+                <a:sym typeface="+mn-ea"/>
+              </a:rPr>
+              <a:t>polyfit</a:t>
+            </a:r>
+            <a:r>
+              <a:rPr lang="zh-CN" altLang="en-US"/>
+              <a:t>后使用积分</a:t>
+            </a:r>
+            <a:endParaRPr lang="zh-CN" altLang="en-US"/>
+          </a:p>
+        </p:txBody>
+      </p:sp>
+      <p:pic>
+        <p:nvPicPr>
+          <p:cNvPr id="3" name="图片 2" descr="Moving N=4, 4.8"/>
+          <p:cNvPicPr>
+            <a:picLocks noChangeAspect="1"/>
+          </p:cNvPicPr>
+          <p:nvPr/>
+        </p:nvPicPr>
+        <p:blipFill>
+          <a:blip r:embed="rId1"/>
+          <a:stretch>
+            <a:fillRect/>
+          </a:stretch>
+        </p:blipFill>
+        <p:spPr>
+          <a:xfrm>
+            <a:off x="335915" y="1772285"/>
+            <a:ext cx="5768340" cy="4326255"/>
+          </a:xfrm>
+          <a:prstGeom prst="rect">
+            <a:avLst/>
+          </a:prstGeom>
+        </p:spPr>
+      </p:pic>
+      <p:sp>
+        <p:nvSpPr>
+          <p:cNvPr id="7" name="文本框 6"/>
+          <p:cNvSpPr txBox="1"/>
+          <p:nvPr>
+            <p:custDataLst>
+              <p:tags r:id="rId2"/>
+            </p:custDataLst>
+          </p:nvPr>
+        </p:nvSpPr>
+        <p:spPr>
+          <a:xfrm>
+            <a:off x="1004570" y="6209030"/>
+            <a:ext cx="4431030" cy="368300"/>
+          </a:xfrm>
+          <a:prstGeom prst="rect">
+            <a:avLst/>
+          </a:prstGeom>
+          <a:noFill/>
+        </p:spPr>
+        <p:txBody>
+          <a:bodyPr wrap="square" rtlCol="0">
+            <a:spAutoFit/>
+          </a:bodyPr>
+          <a:p>
+            <a:r>
+              <a:rPr lang="en-US" altLang="zh-CN">
+                <a:sym typeface="+mn-ea"/>
+              </a:rPr>
+              <a:t>N=2</a:t>
+            </a:r>
+            <a:r>
+              <a:rPr lang="zh-CN" altLang="en-US">
+                <a:sym typeface="+mn-ea"/>
+              </a:rPr>
+              <a:t>，</a:t>
+            </a:r>
+            <a:r>
+              <a:rPr lang="en-US" altLang="zh-CN">
+                <a:sym typeface="+mn-ea"/>
+              </a:rPr>
+              <a:t>f</a:t>
+            </a:r>
+            <a:r>
+              <a:rPr lang="en-US" altLang="zh-CN">
+                <a:sym typeface="+mn-ea"/>
+              </a:rPr>
+              <a:t>c=4.8</a:t>
+            </a:r>
+            <a:endParaRPr lang="en-US" altLang="zh-CN">
+              <a:sym typeface="+mn-ea"/>
+            </a:endParaRPr>
+          </a:p>
+        </p:txBody>
+      </p:sp>
+      <p:sp>
+        <p:nvSpPr>
+          <p:cNvPr id="8" name="文本框 7"/>
+          <p:cNvSpPr txBox="1"/>
+          <p:nvPr>
+            <p:custDataLst>
+              <p:tags r:id="rId3"/>
+            </p:custDataLst>
+          </p:nvPr>
+        </p:nvSpPr>
+        <p:spPr>
+          <a:xfrm>
+            <a:off x="7052945" y="6267450"/>
+            <a:ext cx="4431030" cy="368300"/>
+          </a:xfrm>
+          <a:prstGeom prst="rect">
+            <a:avLst/>
+          </a:prstGeom>
+          <a:noFill/>
+        </p:spPr>
+        <p:txBody>
+          <a:bodyPr wrap="square" rtlCol="0">
+            <a:spAutoFit/>
+          </a:bodyPr>
+          <a:p>
+            <a:r>
+              <a:rPr lang="en-US" altLang="zh-CN">
+                <a:sym typeface="+mn-ea"/>
+              </a:rPr>
+              <a:t>N=3</a:t>
+            </a:r>
+            <a:r>
+              <a:rPr lang="zh-CN" altLang="en-US">
+                <a:sym typeface="+mn-ea"/>
+              </a:rPr>
+              <a:t>，</a:t>
+            </a:r>
+            <a:r>
+              <a:rPr lang="en-US" altLang="zh-CN">
+                <a:sym typeface="+mn-ea"/>
+              </a:rPr>
+              <a:t>f</a:t>
+            </a:r>
+            <a:r>
+              <a:rPr lang="en-US" altLang="zh-CN">
+                <a:sym typeface="+mn-ea"/>
+              </a:rPr>
+              <a:t>c=4.5</a:t>
+            </a:r>
+            <a:endParaRPr lang="en-US" altLang="zh-CN">
+              <a:sym typeface="+mn-ea"/>
+            </a:endParaRPr>
+          </a:p>
+        </p:txBody>
+      </p:sp>
+      <p:pic>
+        <p:nvPicPr>
+          <p:cNvPr id="9" name="图片 8" descr="C:\Users\zrx\Desktop\signal-processing\Test\Figure\Moving N=3, 4.5.pngMoving N=3, 4.5"/>
+          <p:cNvPicPr>
+            <a:picLocks noChangeAspect="1"/>
+          </p:cNvPicPr>
+          <p:nvPr>
+            <p:custDataLst>
+              <p:tags r:id="rId4"/>
+            </p:custDataLst>
+          </p:nvPr>
+        </p:nvPicPr>
+        <p:blipFill>
+          <a:blip r:embed="rId5"/>
+          <a:srcRect/>
+          <a:stretch>
+            <a:fillRect/>
+          </a:stretch>
+        </p:blipFill>
+        <p:spPr>
+          <a:xfrm>
+            <a:off x="6324600" y="1772285"/>
+            <a:ext cx="5768340" cy="4326255"/>
+          </a:xfrm>
+          <a:prstGeom prst="rect">
+            <a:avLst/>
+          </a:prstGeom>
+        </p:spPr>
+      </p:pic>
+    </p:spTree>
+    <p:custDataLst>
+      <p:tags r:id="rId6"/>
     </p:custDataLst>
   </p:cSld>
   <p:clrMapOvr>
@@ -8431,13 +8804,45 @@
 
 <file path=ppt/tags/tag42.xml><?xml version="1.0" encoding="utf-8"?>
 <p:tagLst xmlns:p="http://schemas.openxmlformats.org/presentationml/2006/main">
+  <p:tag name="KSO_WM_BEAUTIFY_FLAG" val=""/>
+</p:tagLst>
+</file>
+
+<file path=ppt/tags/tag43.xml><?xml version="1.0" encoding="utf-8"?>
+<p:tagLst xmlns:p="http://schemas.openxmlformats.org/presentationml/2006/main">
   <p:tag name="KSO_WM_BEAUTIFY_FLAG" val="#wm#"/>
   <p:tag name="KSO_WM_TEMPLATE_CATEGORY" val="custom"/>
   <p:tag name="KSO_WM_TEMPLATE_INDEX" val="20205081"/>
 </p:tagLst>
 </file>
 
-<file path=ppt/tags/tag43.xml><?xml version="1.0" encoding="utf-8"?>
+<file path=ppt/tags/tag44.xml><?xml version="1.0" encoding="utf-8"?>
+<p:tagLst xmlns:p="http://schemas.openxmlformats.org/presentationml/2006/main">
+  <p:tag name="KSO_WM_BEAUTIFY_FLAG" val=""/>
+</p:tagLst>
+</file>
+
+<file path=ppt/tags/tag45.xml><?xml version="1.0" encoding="utf-8"?>
+<p:tagLst xmlns:p="http://schemas.openxmlformats.org/presentationml/2006/main">
+  <p:tag name="KSO_WM_BEAUTIFY_FLAG" val=""/>
+</p:tagLst>
+</file>
+
+<file path=ppt/tags/tag46.xml><?xml version="1.0" encoding="utf-8"?>
+<p:tagLst xmlns:p="http://schemas.openxmlformats.org/presentationml/2006/main">
+  <p:tag name="KSO_WM_BEAUTIFY_FLAG" val=""/>
+</p:tagLst>
+</file>
+
+<file path=ppt/tags/tag47.xml><?xml version="1.0" encoding="utf-8"?>
+<p:tagLst xmlns:p="http://schemas.openxmlformats.org/presentationml/2006/main">
+  <p:tag name="KSO_WM_BEAUTIFY_FLAG" val="#wm#"/>
+  <p:tag name="KSO_WM_TEMPLATE_CATEGORY" val="custom"/>
+  <p:tag name="KSO_WM_TEMPLATE_INDEX" val="20205081"/>
+</p:tagLst>
+</file>
+
+<file path=ppt/tags/tag48.xml><?xml version="1.0" encoding="utf-8"?>
 <p:tagLst xmlns:p="http://schemas.openxmlformats.org/presentationml/2006/main">
   <p:tag name="COMMONDATA" val="eyJoZGlkIjoiMTAyNTVkNTdiNmQxMTkyODQyYzgxNjk1OGE5NWFiN2QifQ=="/>
   <p:tag name="KSO_WPP_MARK_KEY" val="4149bd26-85e9-4fed-ae83-1197c2b31228"/>

--- a/simple.pptx
+++ b/simple.pptx
@@ -20,11 +20,15 @@
     <p:sldId id="285" r:id="rId15"/>
     <p:sldId id="286" r:id="rId16"/>
     <p:sldId id="287" r:id="rId17"/>
+    <p:sldId id="288" r:id="rId18"/>
+    <p:sldId id="291" r:id="rId19"/>
+    <p:sldId id="293" r:id="rId20"/>
+    <p:sldId id="294" r:id="rId21"/>
   </p:sldIdLst>
   <p:sldSz cx="12192000" cy="6858000"/>
   <p:notesSz cx="6858000" cy="9144000"/>
   <p:custDataLst>
-    <p:tags r:id="rId21"/>
+    <p:tags r:id="rId25"/>
   </p:custDataLst>
   <p:defaultTextStyle>
     <a:defPPr>
@@ -219,7 +223,7 @@
             <a:srgbClr val="A4A3A4"/>
           </p15:clr>
         </p15:guide>
-        <p15:guide id="2" pos="3838" userDrawn="1">
+        <p15:guide id="2" pos="3845" userDrawn="1">
           <p15:clr>
             <a:srgbClr val="A4A3A4"/>
           </p15:clr>
@@ -7153,6 +7157,654 @@
 </p:sld>
 </file>
 
+<file path=ppt/slides/slide15.xml><?xml version="1.0" encoding="utf-8"?>
+<p:sld xmlns:a="http://schemas.openxmlformats.org/drawingml/2006/main" xmlns:r="http://schemas.openxmlformats.org/officeDocument/2006/relationships" xmlns:p="http://schemas.openxmlformats.org/presentationml/2006/main">
+  <p:cSld>
+    <p:spTree>
+      <p:nvGrpSpPr>
+        <p:cNvPr id="1" name=""/>
+        <p:cNvGrpSpPr/>
+        <p:nvPr/>
+      </p:nvGrpSpPr>
+      <p:grpSpPr/>
+      <p:sp>
+        <p:nvSpPr>
+          <p:cNvPr id="7169" name="标题 1"/>
+          <p:cNvSpPr>
+            <a:spLocks noGrp="1"/>
+          </p:cNvSpPr>
+          <p:nvPr>
+            <p:ph type="title"/>
+          </p:nvPr>
+        </p:nvSpPr>
+        <p:spPr>
+          <a:xfrm>
+            <a:off x="514033" y="367983"/>
+            <a:ext cx="10969625" cy="706437"/>
+          </a:xfrm>
+        </p:spPr>
+        <p:txBody>
+          <a:bodyPr lIns="90000" tIns="46800" rIns="90000" bIns="46800" anchor="ctr" anchorCtr="0">
+            <a:normAutofit fontScale="90000"/>
+          </a:bodyPr>
+          <a:p>
+            <a:r>
+              <a:rPr lang="en-US" altLang="zh-CN">
+                <a:sym typeface="+mn-ea"/>
+              </a:rPr>
+              <a:t>Result</a:t>
+            </a:r>
+            <a:br>
+              <a:rPr lang="en-US" altLang="zh-CN">
+                <a:sym typeface="+mn-ea"/>
+              </a:rPr>
+            </a:br>
+            <a:endParaRPr lang="en-US" altLang="zh-CN">
+              <a:sym typeface="+mn-ea"/>
+            </a:endParaRPr>
+          </a:p>
+        </p:txBody>
+      </p:sp>
+      <p:sp>
+        <p:nvSpPr>
+          <p:cNvPr id="7" name="文本框 6"/>
+          <p:cNvSpPr txBox="1"/>
+          <p:nvPr>
+            <p:custDataLst>
+              <p:tags r:id="rId1"/>
+            </p:custDataLst>
+          </p:nvPr>
+        </p:nvSpPr>
+        <p:spPr>
+          <a:xfrm>
+            <a:off x="9726930" y="2498725"/>
+            <a:ext cx="1683385" cy="368300"/>
+          </a:xfrm>
+          <a:prstGeom prst="rect">
+            <a:avLst/>
+          </a:prstGeom>
+          <a:noFill/>
+        </p:spPr>
+        <p:txBody>
+          <a:bodyPr wrap="square" rtlCol="0">
+            <a:spAutoFit/>
+          </a:bodyPr>
+          <a:p>
+            <a:r>
+              <a:rPr lang="en-US" altLang="zh-CN">
+                <a:sym typeface="+mn-ea"/>
+              </a:rPr>
+              <a:t>N=2</a:t>
+            </a:r>
+            <a:r>
+              <a:rPr lang="zh-CN" altLang="en-US">
+                <a:sym typeface="+mn-ea"/>
+              </a:rPr>
+              <a:t>，</a:t>
+            </a:r>
+            <a:r>
+              <a:rPr lang="en-US" altLang="zh-CN">
+                <a:sym typeface="+mn-ea"/>
+              </a:rPr>
+              <a:t>f</a:t>
+            </a:r>
+            <a:r>
+              <a:rPr lang="en-US" altLang="zh-CN">
+                <a:sym typeface="+mn-ea"/>
+              </a:rPr>
+              <a:t>c=5.6</a:t>
+            </a:r>
+            <a:endParaRPr lang="en-US" altLang="zh-CN">
+              <a:sym typeface="+mn-ea"/>
+            </a:endParaRPr>
+          </a:p>
+        </p:txBody>
+      </p:sp>
+      <p:pic>
+        <p:nvPicPr>
+          <p:cNvPr id="2" name="图片 1" descr="sim"/>
+          <p:cNvPicPr>
+            <a:picLocks noChangeAspect="1"/>
+          </p:cNvPicPr>
+          <p:nvPr/>
+        </p:nvPicPr>
+        <p:blipFill>
+          <a:blip r:embed="rId2"/>
+          <a:stretch>
+            <a:fillRect/>
+          </a:stretch>
+        </p:blipFill>
+        <p:spPr>
+          <a:xfrm>
+            <a:off x="229235" y="847090"/>
+            <a:ext cx="9578975" cy="5127625"/>
+          </a:xfrm>
+          <a:prstGeom prst="rect">
+            <a:avLst/>
+          </a:prstGeom>
+        </p:spPr>
+      </p:pic>
+      <p:sp>
+        <p:nvSpPr>
+          <p:cNvPr id="6" name="文本框 5"/>
+          <p:cNvSpPr txBox="1"/>
+          <p:nvPr>
+            <p:custDataLst>
+              <p:tags r:id="rId3"/>
+            </p:custDataLst>
+          </p:nvPr>
+        </p:nvSpPr>
+        <p:spPr>
+          <a:xfrm>
+            <a:off x="9808210" y="1602105"/>
+            <a:ext cx="1683385" cy="368300"/>
+          </a:xfrm>
+          <a:prstGeom prst="rect">
+            <a:avLst/>
+          </a:prstGeom>
+          <a:noFill/>
+        </p:spPr>
+        <p:txBody>
+          <a:bodyPr wrap="square" rtlCol="0">
+            <a:spAutoFit/>
+          </a:bodyPr>
+          <a:p>
+            <a:r>
+              <a:rPr lang="en-US" altLang="zh-CN">
+                <a:sym typeface="+mn-ea"/>
+              </a:rPr>
+              <a:t>For </a:t>
+            </a:r>
+            <a:r>
+              <a:rPr lang="en-US" altLang="zh-CN">
+                <a:sym typeface="+mn-ea"/>
+              </a:rPr>
+              <a:t>Railtrack1</a:t>
+            </a:r>
+            <a:endParaRPr lang="en-US" altLang="zh-CN">
+              <a:sym typeface="+mn-ea"/>
+            </a:endParaRPr>
+          </a:p>
+        </p:txBody>
+      </p:sp>
+    </p:spTree>
+    <p:custDataLst>
+      <p:tags r:id="rId4"/>
+    </p:custDataLst>
+  </p:cSld>
+  <p:clrMapOvr>
+    <a:masterClrMapping/>
+  </p:clrMapOvr>
+</p:sld>
+</file>
+
+<file path=ppt/slides/slide16.xml><?xml version="1.0" encoding="utf-8"?>
+<p:sld xmlns:a="http://schemas.openxmlformats.org/drawingml/2006/main" xmlns:r="http://schemas.openxmlformats.org/officeDocument/2006/relationships" xmlns:p="http://schemas.openxmlformats.org/presentationml/2006/main">
+  <p:cSld>
+    <p:spTree>
+      <p:nvGrpSpPr>
+        <p:cNvPr id="1" name=""/>
+        <p:cNvGrpSpPr/>
+        <p:nvPr/>
+      </p:nvGrpSpPr>
+      <p:grpSpPr/>
+      <p:sp>
+        <p:nvSpPr>
+          <p:cNvPr id="7169" name="标题 1"/>
+          <p:cNvSpPr>
+            <a:spLocks noGrp="1"/>
+          </p:cNvSpPr>
+          <p:nvPr>
+            <p:ph type="title"/>
+          </p:nvPr>
+        </p:nvSpPr>
+        <p:spPr>
+          <a:xfrm>
+            <a:off x="514033" y="367983"/>
+            <a:ext cx="10969625" cy="706437"/>
+          </a:xfrm>
+        </p:spPr>
+        <p:txBody>
+          <a:bodyPr lIns="90000" tIns="46800" rIns="90000" bIns="46800" anchor="ctr" anchorCtr="0">
+            <a:normAutofit fontScale="90000"/>
+          </a:bodyPr>
+          <a:p>
+            <a:r>
+              <a:rPr lang="en-US" altLang="zh-CN">
+                <a:sym typeface="+mn-ea"/>
+              </a:rPr>
+              <a:t>Result</a:t>
+            </a:r>
+            <a:br>
+              <a:rPr lang="en-US" altLang="zh-CN">
+                <a:sym typeface="+mn-ea"/>
+              </a:rPr>
+            </a:br>
+            <a:endParaRPr lang="en-US" altLang="zh-CN">
+              <a:sym typeface="+mn-ea"/>
+            </a:endParaRPr>
+          </a:p>
+        </p:txBody>
+      </p:sp>
+      <p:pic>
+        <p:nvPicPr>
+          <p:cNvPr id="3" name="图片 2" descr="sim for railtrack2 "/>
+          <p:cNvPicPr>
+            <a:picLocks noChangeAspect="1"/>
+          </p:cNvPicPr>
+          <p:nvPr/>
+        </p:nvPicPr>
+        <p:blipFill>
+          <a:blip r:embed="rId1"/>
+          <a:stretch>
+            <a:fillRect/>
+          </a:stretch>
+        </p:blipFill>
+        <p:spPr>
+          <a:xfrm>
+            <a:off x="351155" y="900430"/>
+            <a:ext cx="10274300" cy="5057140"/>
+          </a:xfrm>
+          <a:prstGeom prst="rect">
+            <a:avLst/>
+          </a:prstGeom>
+        </p:spPr>
+      </p:pic>
+      <p:sp>
+        <p:nvSpPr>
+          <p:cNvPr id="6" name="文本框 5"/>
+          <p:cNvSpPr txBox="1"/>
+          <p:nvPr>
+            <p:custDataLst>
+              <p:tags r:id="rId2"/>
+            </p:custDataLst>
+          </p:nvPr>
+        </p:nvSpPr>
+        <p:spPr>
+          <a:xfrm>
+            <a:off x="9992995" y="1483995"/>
+            <a:ext cx="1683385" cy="645160"/>
+          </a:xfrm>
+          <a:prstGeom prst="rect">
+            <a:avLst/>
+          </a:prstGeom>
+          <a:noFill/>
+        </p:spPr>
+        <p:txBody>
+          <a:bodyPr wrap="square" rtlCol="0">
+            <a:spAutoFit/>
+          </a:bodyPr>
+          <a:p>
+            <a:r>
+              <a:rPr lang="en-US" altLang="zh-CN">
+                <a:sym typeface="+mn-ea"/>
+              </a:rPr>
+              <a:t>For </a:t>
+            </a:r>
+            <a:r>
+              <a:rPr lang="en-US" altLang="zh-CN">
+                <a:sym typeface="+mn-ea"/>
+              </a:rPr>
+              <a:t>Railtrack2</a:t>
+            </a:r>
+            <a:endParaRPr lang="en-US" altLang="zh-CN">
+              <a:sym typeface="+mn-ea"/>
+            </a:endParaRPr>
+          </a:p>
+          <a:p>
+            <a:r>
+              <a:rPr lang="en-US" altLang="zh-CN">
+                <a:sym typeface="+mn-ea"/>
+              </a:rPr>
+              <a:t>Same </a:t>
+            </a:r>
+            <a:r>
+              <a:rPr lang="en-US" altLang="zh-CN">
+                <a:sym typeface="+mn-ea"/>
+              </a:rPr>
+              <a:t>filter</a:t>
+            </a:r>
+            <a:endParaRPr lang="en-US" altLang="zh-CN">
+              <a:sym typeface="+mn-ea"/>
+            </a:endParaRPr>
+          </a:p>
+        </p:txBody>
+      </p:sp>
+    </p:spTree>
+    <p:custDataLst>
+      <p:tags r:id="rId3"/>
+    </p:custDataLst>
+  </p:cSld>
+  <p:clrMapOvr>
+    <a:masterClrMapping/>
+  </p:clrMapOvr>
+</p:sld>
+</file>
+
+<file path=ppt/slides/slide17.xml><?xml version="1.0" encoding="utf-8"?>
+<p:sld xmlns:a="http://schemas.openxmlformats.org/drawingml/2006/main" xmlns:r="http://schemas.openxmlformats.org/officeDocument/2006/relationships" xmlns:p="http://schemas.openxmlformats.org/presentationml/2006/main">
+  <p:cSld>
+    <p:spTree>
+      <p:nvGrpSpPr>
+        <p:cNvPr id="1" name=""/>
+        <p:cNvGrpSpPr/>
+        <p:nvPr/>
+      </p:nvGrpSpPr>
+      <p:grpSpPr/>
+      <p:sp>
+        <p:nvSpPr>
+          <p:cNvPr id="7169" name="标题 1"/>
+          <p:cNvSpPr>
+            <a:spLocks noGrp="1"/>
+          </p:cNvSpPr>
+          <p:nvPr>
+            <p:ph type="title"/>
+          </p:nvPr>
+        </p:nvSpPr>
+        <p:spPr>
+          <a:xfrm>
+            <a:off x="514033" y="367983"/>
+            <a:ext cx="10969625" cy="706437"/>
+          </a:xfrm>
+        </p:spPr>
+        <p:txBody>
+          <a:bodyPr lIns="90000" tIns="46800" rIns="90000" bIns="46800" anchor="ctr" anchorCtr="0">
+            <a:normAutofit fontScale="90000"/>
+          </a:bodyPr>
+          <a:p>
+            <a:r>
+              <a:rPr lang="en-US" altLang="zh-CN">
+                <a:sym typeface="+mn-ea"/>
+              </a:rPr>
+              <a:t>Result</a:t>
+            </a:r>
+            <a:br>
+              <a:rPr lang="en-US" altLang="zh-CN">
+                <a:sym typeface="+mn-ea"/>
+              </a:rPr>
+            </a:br>
+            <a:endParaRPr lang="en-US" altLang="zh-CN">
+              <a:sym typeface="+mn-ea"/>
+            </a:endParaRPr>
+          </a:p>
+        </p:txBody>
+      </p:sp>
+      <p:sp>
+        <p:nvSpPr>
+          <p:cNvPr id="6" name="文本框 5"/>
+          <p:cNvSpPr txBox="1"/>
+          <p:nvPr>
+            <p:custDataLst>
+              <p:tags r:id="rId1"/>
+            </p:custDataLst>
+          </p:nvPr>
+        </p:nvSpPr>
+        <p:spPr>
+          <a:xfrm>
+            <a:off x="8192135" y="1230630"/>
+            <a:ext cx="3216910" cy="368300"/>
+          </a:xfrm>
+          <a:prstGeom prst="rect">
+            <a:avLst/>
+          </a:prstGeom>
+          <a:noFill/>
+        </p:spPr>
+        <p:txBody>
+          <a:bodyPr wrap="square" rtlCol="0">
+            <a:spAutoFit/>
+          </a:bodyPr>
+          <a:p>
+            <a:r>
+              <a:rPr lang="en-US" altLang="zh-CN">
+                <a:sym typeface="+mn-ea"/>
+              </a:rPr>
+              <a:t>Profit method for rail</a:t>
+            </a:r>
+            <a:r>
+              <a:rPr lang="en-US" altLang="zh-CN">
+                <a:sym typeface="+mn-ea"/>
+              </a:rPr>
+              <a:t>track</a:t>
+            </a:r>
+            <a:endParaRPr lang="en-US" altLang="zh-CN">
+              <a:sym typeface="+mn-ea"/>
+            </a:endParaRPr>
+          </a:p>
+        </p:txBody>
+      </p:sp>
+      <p:pic>
+        <p:nvPicPr>
+          <p:cNvPr id="2" name="图片 1" descr="untitled"/>
+          <p:cNvPicPr>
+            <a:picLocks noChangeAspect="1"/>
+          </p:cNvPicPr>
+          <p:nvPr/>
+        </p:nvPicPr>
+        <p:blipFill>
+          <a:blip r:embed="rId2"/>
+          <a:stretch>
+            <a:fillRect/>
+          </a:stretch>
+        </p:blipFill>
+        <p:spPr>
+          <a:xfrm>
+            <a:off x="0" y="742315"/>
+            <a:ext cx="8001000" cy="6000750"/>
+          </a:xfrm>
+          <a:prstGeom prst="rect">
+            <a:avLst/>
+          </a:prstGeom>
+        </p:spPr>
+      </p:pic>
+      <p:sp>
+        <p:nvSpPr>
+          <p:cNvPr id="7" name="文本框 6"/>
+          <p:cNvSpPr txBox="1"/>
+          <p:nvPr>
+            <p:custDataLst>
+              <p:tags r:id="rId3"/>
+            </p:custDataLst>
+          </p:nvPr>
+        </p:nvSpPr>
+        <p:spPr>
+          <a:xfrm>
+            <a:off x="8192135" y="1755140"/>
+            <a:ext cx="1792605" cy="368300"/>
+          </a:xfrm>
+          <a:prstGeom prst="rect">
+            <a:avLst/>
+          </a:prstGeom>
+          <a:noFill/>
+        </p:spPr>
+        <p:txBody>
+          <a:bodyPr wrap="square" rtlCol="0">
+            <a:spAutoFit/>
+          </a:bodyPr>
+          <a:p>
+            <a:r>
+              <a:rPr lang="en-US" altLang="zh-CN">
+                <a:sym typeface="+mn-ea"/>
+              </a:rPr>
+              <a:t>N=2</a:t>
+            </a:r>
+            <a:r>
+              <a:rPr lang="zh-CN" altLang="en-US">
+                <a:sym typeface="+mn-ea"/>
+              </a:rPr>
+              <a:t>，</a:t>
+            </a:r>
+            <a:r>
+              <a:rPr lang="en-US" altLang="zh-CN">
+                <a:sym typeface="+mn-ea"/>
+              </a:rPr>
+              <a:t>f</a:t>
+            </a:r>
+            <a:r>
+              <a:rPr lang="en-US" altLang="zh-CN">
+                <a:sym typeface="+mn-ea"/>
+              </a:rPr>
+              <a:t>c=4.8</a:t>
+            </a:r>
+            <a:endParaRPr lang="en-US" altLang="zh-CN">
+              <a:sym typeface="+mn-ea"/>
+            </a:endParaRPr>
+          </a:p>
+        </p:txBody>
+      </p:sp>
+    </p:spTree>
+    <p:custDataLst>
+      <p:tags r:id="rId4"/>
+    </p:custDataLst>
+  </p:cSld>
+  <p:clrMapOvr>
+    <a:masterClrMapping/>
+  </p:clrMapOvr>
+</p:sld>
+</file>
+
+<file path=ppt/slides/slide18.xml><?xml version="1.0" encoding="utf-8"?>
+<p:sld xmlns:a="http://schemas.openxmlformats.org/drawingml/2006/main" xmlns:r="http://schemas.openxmlformats.org/officeDocument/2006/relationships" xmlns:p="http://schemas.openxmlformats.org/presentationml/2006/main">
+  <p:cSld>
+    <p:spTree>
+      <p:nvGrpSpPr>
+        <p:cNvPr id="1" name=""/>
+        <p:cNvGrpSpPr/>
+        <p:nvPr/>
+      </p:nvGrpSpPr>
+      <p:grpSpPr/>
+      <p:sp>
+        <p:nvSpPr>
+          <p:cNvPr id="7169" name="标题 1"/>
+          <p:cNvSpPr>
+            <a:spLocks noGrp="1"/>
+          </p:cNvSpPr>
+          <p:nvPr>
+            <p:ph type="title"/>
+          </p:nvPr>
+        </p:nvSpPr>
+        <p:spPr>
+          <a:xfrm>
+            <a:off x="514033" y="367983"/>
+            <a:ext cx="10969625" cy="706437"/>
+          </a:xfrm>
+        </p:spPr>
+        <p:txBody>
+          <a:bodyPr lIns="90000" tIns="46800" rIns="90000" bIns="46800" anchor="ctr" anchorCtr="0">
+            <a:normAutofit fontScale="90000"/>
+          </a:bodyPr>
+          <a:p>
+            <a:r>
+              <a:rPr lang="en-US" altLang="zh-CN">
+                <a:sym typeface="+mn-ea"/>
+              </a:rPr>
+              <a:t>Result</a:t>
+            </a:r>
+            <a:br>
+              <a:rPr lang="en-US" altLang="zh-CN">
+                <a:sym typeface="+mn-ea"/>
+              </a:rPr>
+            </a:br>
+            <a:endParaRPr lang="en-US" altLang="zh-CN">
+              <a:sym typeface="+mn-ea"/>
+            </a:endParaRPr>
+          </a:p>
+        </p:txBody>
+      </p:sp>
+      <p:pic>
+        <p:nvPicPr>
+          <p:cNvPr id="3" name="图片 2"/>
+          <p:cNvPicPr>
+            <a:picLocks noChangeAspect="1"/>
+          </p:cNvPicPr>
+          <p:nvPr>
+            <p:custDataLst>
+              <p:tags r:id="rId1"/>
+            </p:custDataLst>
+          </p:nvPr>
+        </p:nvPicPr>
+        <p:blipFill>
+          <a:blip r:embed="rId2"/>
+          <a:stretch>
+            <a:fillRect/>
+          </a:stretch>
+        </p:blipFill>
+        <p:spPr>
+          <a:xfrm>
+            <a:off x="810260" y="1074420"/>
+            <a:ext cx="2856865" cy="3740150"/>
+          </a:xfrm>
+          <a:prstGeom prst="rect">
+            <a:avLst/>
+          </a:prstGeom>
+        </p:spPr>
+      </p:pic>
+      <p:pic>
+        <p:nvPicPr>
+          <p:cNvPr id="4" name="图片 3"/>
+          <p:cNvPicPr>
+            <a:picLocks noChangeAspect="1"/>
+          </p:cNvPicPr>
+          <p:nvPr>
+            <p:custDataLst>
+              <p:tags r:id="rId3"/>
+            </p:custDataLst>
+          </p:nvPr>
+        </p:nvPicPr>
+        <p:blipFill>
+          <a:blip r:embed="rId4"/>
+          <a:stretch>
+            <a:fillRect/>
+          </a:stretch>
+        </p:blipFill>
+        <p:spPr>
+          <a:xfrm>
+            <a:off x="3390265" y="1074420"/>
+            <a:ext cx="4203065" cy="3953510"/>
+          </a:xfrm>
+          <a:prstGeom prst="rect">
+            <a:avLst/>
+          </a:prstGeom>
+        </p:spPr>
+      </p:pic>
+      <p:pic>
+        <p:nvPicPr>
+          <p:cNvPr id="5" name="图片 4"/>
+          <p:cNvPicPr>
+            <a:picLocks noChangeAspect="1"/>
+          </p:cNvPicPr>
+          <p:nvPr>
+            <p:custDataLst>
+              <p:tags r:id="rId5"/>
+            </p:custDataLst>
+          </p:nvPr>
+        </p:nvPicPr>
+        <p:blipFill>
+          <a:blip r:embed="rId6"/>
+          <a:stretch>
+            <a:fillRect/>
+          </a:stretch>
+        </p:blipFill>
+        <p:spPr>
+          <a:xfrm>
+            <a:off x="7593330" y="1141095"/>
+            <a:ext cx="3872230" cy="4024630"/>
+          </a:xfrm>
+          <a:prstGeom prst="rect">
+            <a:avLst/>
+          </a:prstGeom>
+        </p:spPr>
+      </p:pic>
+    </p:spTree>
+    <p:custDataLst>
+      <p:tags r:id="rId7"/>
+    </p:custDataLst>
+  </p:cSld>
+  <p:clrMapOvr>
+    <a:masterClrMapping/>
+  </p:clrMapOvr>
+</p:sld>
+</file>
+
 <file path=ppt/slides/slide2.xml><?xml version="1.0" encoding="utf-8"?>
 <p:sld xmlns:a="http://schemas.openxmlformats.org/drawingml/2006/main" xmlns:r="http://schemas.openxmlformats.org/officeDocument/2006/relationships" xmlns:p="http://schemas.openxmlformats.org/presentationml/2006/main">
   <p:cSld>
@@ -8844,8 +9496,13 @@
 
 <file path=ppt/tags/tag48.xml><?xml version="1.0" encoding="utf-8"?>
 <p:tagLst xmlns:p="http://schemas.openxmlformats.org/presentationml/2006/main">
-  <p:tag name="COMMONDATA" val="eyJoZGlkIjoiMTAyNTVkNTdiNmQxMTkyODQyYzgxNjk1OGE5NWFiN2QifQ=="/>
-  <p:tag name="KSO_WPP_MARK_KEY" val="4149bd26-85e9-4fed-ae83-1197c2b31228"/>
+  <p:tag name="KSO_WM_BEAUTIFY_FLAG" val=""/>
+</p:tagLst>
+</file>
+
+<file path=ppt/tags/tag49.xml><?xml version="1.0" encoding="utf-8"?>
+<p:tagLst xmlns:p="http://schemas.openxmlformats.org/presentationml/2006/main">
+  <p:tag name="KSO_WM_BEAUTIFY_FLAG" val=""/>
 </p:tagLst>
 </file>
 
@@ -8859,6 +9516,74 @@
   <p:tag name="KSO_WM_UNIT_LAYERLEVEL" val="1"/>
   <p:tag name="KSO_WM_TAG_VERSION" val="1.0"/>
   <p:tag name="KSO_WM_BEAUTIFY_FLAG" val="#wm#"/>
+</p:tagLst>
+</file>
+
+<file path=ppt/tags/tag50.xml><?xml version="1.0" encoding="utf-8"?>
+<p:tagLst xmlns:p="http://schemas.openxmlformats.org/presentationml/2006/main">
+  <p:tag name="KSO_WM_BEAUTIFY_FLAG" val="#wm#"/>
+  <p:tag name="KSO_WM_TEMPLATE_CATEGORY" val="custom"/>
+  <p:tag name="KSO_WM_TEMPLATE_INDEX" val="20205081"/>
+</p:tagLst>
+</file>
+
+<file path=ppt/tags/tag51.xml><?xml version="1.0" encoding="utf-8"?>
+<p:tagLst xmlns:p="http://schemas.openxmlformats.org/presentationml/2006/main">
+  <p:tag name="KSO_WM_BEAUTIFY_FLAG" val=""/>
+</p:tagLst>
+</file>
+
+<file path=ppt/tags/tag52.xml><?xml version="1.0" encoding="utf-8"?>
+<p:tagLst xmlns:p="http://schemas.openxmlformats.org/presentationml/2006/main">
+  <p:tag name="KSO_WM_BEAUTIFY_FLAG" val="#wm#"/>
+  <p:tag name="KSO_WM_TEMPLATE_CATEGORY" val="custom"/>
+  <p:tag name="KSO_WM_TEMPLATE_INDEX" val="20205081"/>
+</p:tagLst>
+</file>
+
+<file path=ppt/tags/tag53.xml><?xml version="1.0" encoding="utf-8"?>
+<p:tagLst xmlns:p="http://schemas.openxmlformats.org/presentationml/2006/main">
+  <p:tag name="KSO_WM_BEAUTIFY_FLAG" val=""/>
+</p:tagLst>
+</file>
+
+<file path=ppt/tags/tag54.xml><?xml version="1.0" encoding="utf-8"?>
+<p:tagLst xmlns:p="http://schemas.openxmlformats.org/presentationml/2006/main">
+  <p:tag name="KSO_WM_BEAUTIFY_FLAG" val=""/>
+</p:tagLst>
+</file>
+
+<file path=ppt/tags/tag55.xml><?xml version="1.0" encoding="utf-8"?>
+<p:tagLst xmlns:p="http://schemas.openxmlformats.org/presentationml/2006/main">
+  <p:tag name="KSO_WM_BEAUTIFY_FLAG" val="#wm#"/>
+  <p:tag name="KSO_WM_TEMPLATE_CATEGORY" val="custom"/>
+  <p:tag name="KSO_WM_TEMPLATE_INDEX" val="20205081"/>
+</p:tagLst>
+</file>
+
+<file path=ppt/tags/tag56.xml><?xml version="1.0" encoding="utf-8"?>
+<p:tagLst xmlns:p="http://schemas.openxmlformats.org/presentationml/2006/main">
+  <p:tag name="KSO_WM_BEAUTIFY_FLAG" val=""/>
+</p:tagLst>
+</file>
+
+<file path=ppt/tags/tag57.xml><?xml version="1.0" encoding="utf-8"?>
+<p:tagLst xmlns:p="http://schemas.openxmlformats.org/presentationml/2006/main">
+  <p:tag name="KSO_WM_BEAUTIFY_FLAG" val=""/>
+</p:tagLst>
+</file>
+
+<file path=ppt/tags/tag58.xml><?xml version="1.0" encoding="utf-8"?>
+<p:tagLst xmlns:p="http://schemas.openxmlformats.org/presentationml/2006/main">
+  <p:tag name="KSO_WM_BEAUTIFY_FLAG" val=""/>
+</p:tagLst>
+</file>
+
+<file path=ppt/tags/tag59.xml><?xml version="1.0" encoding="utf-8"?>
+<p:tagLst xmlns:p="http://schemas.openxmlformats.org/presentationml/2006/main">
+  <p:tag name="KSO_WM_BEAUTIFY_FLAG" val="#wm#"/>
+  <p:tag name="KSO_WM_TEMPLATE_CATEGORY" val="custom"/>
+  <p:tag name="KSO_WM_TEMPLATE_INDEX" val="20205081"/>
 </p:tagLst>
 </file>
 
@@ -8874,6 +9599,13 @@
   <p:tag name="KSO_WM_BEAUTIFY_FLAG" val="#wm#"/>
   <p:tag name="KSO_WM_TEMPLATE_CATEGORY" val="custom"/>
   <p:tag name="KSO_WM_TEMPLATE_INDEX" val="20205081"/>
+</p:tagLst>
+</file>
+
+<file path=ppt/tags/tag60.xml><?xml version="1.0" encoding="utf-8"?>
+<p:tagLst xmlns:p="http://schemas.openxmlformats.org/presentationml/2006/main">
+  <p:tag name="COMMONDATA" val="eyJoZGlkIjoiMTAyNTVkNTdiNmQxMTkyODQyYzgxNjk1OGE5NWFiN2QifQ=="/>
+  <p:tag name="KSO_WPP_MARK_KEY" val="4149bd26-85e9-4fed-ae83-1197c2b31228"/>
 </p:tagLst>
 </file>
 
